--- a/Slidedecks/CoderDojoKells_Autumn_Session6_101118.pptx
+++ b/Slidedecks/CoderDojoKells_Autumn_Session6_101118.pptx
@@ -1,6 +1,6 @@
 
 <file path=ppt/presentation.xml><?xml version="1.0" encoding="utf-8"?>
-<p:presentation xmlns:a="http://schemas.openxmlformats.org/drawingml/2006/main" xmlns:p="http://schemas.openxmlformats.org/presentationml/2006/main" xmlns:r="http://schemas.openxmlformats.org/officeDocument/2006/relationships" xmlns:p14="http://schemas.microsoft.com/office/powerpoint/2010/main" xmlns:p15="http://schemas.microsoft.com/office/powerpoint/2012/main" xmlns:mc="http://schemas.openxmlformats.org/markup-compatibility/2006">
+<p:presentation xmlns:a="http://schemas.openxmlformats.org/drawingml/2006/main" xmlns:p="http://schemas.openxmlformats.org/presentationml/2006/main" xmlns:r="http://schemas.openxmlformats.org/officeDocument/2006/relationships">
   <p:sldMasterIdLst>
     <p:sldMasterId id="2147483648" r:id="rId2"/>
     <p:sldMasterId id="2147483661" r:id="rId3"/>
@@ -19,14 +19,15 @@
     <p:sldId id="266" r:id="rId14"/>
     <p:sldId id="267" r:id="rId15"/>
     <p:sldId id="268" r:id="rId16"/>
+    <p:sldId id="269" r:id="rId17"/>
   </p:sldIdLst>
   <p:sldSz cx="12192000" cy="6858000"/>
-  <p:notesSz cx="7772400" cy="10058400"/>
+  <p:notesSz cx="7559675" cy="10691812"/>
 </p:presentation>
 </file>
 
 <file path=ppt/slideLayouts/slideLayout1.xml><?xml version="1.0" encoding="utf-8"?>
-<p:sldLayout xmlns:a="http://schemas.openxmlformats.org/drawingml/2006/main" xmlns:p="http://schemas.openxmlformats.org/presentationml/2006/main" xmlns:r="http://schemas.openxmlformats.org/officeDocument/2006/relationships" xmlns:p14="http://schemas.microsoft.com/office/powerpoint/2010/main" xmlns:p15="http://schemas.microsoft.com/office/powerpoint/2012/main" xmlns:mc="http://schemas.openxmlformats.org/markup-compatibility/2006" type="blank" preserve="1">
+<p:sldLayout xmlns:a="http://schemas.openxmlformats.org/drawingml/2006/main" xmlns:p="http://schemas.openxmlformats.org/presentationml/2006/main" xmlns:r="http://schemas.openxmlformats.org/officeDocument/2006/relationships" type="blank" preserve="1">
   <p:cSld name="Blank Slide">
     <p:spTree>
       <p:nvGrpSpPr>
@@ -48,7 +49,7 @@
 </file>
 
 <file path=ppt/slideLayouts/slideLayout10.xml><?xml version="1.0" encoding="utf-8"?>
-<p:sldLayout xmlns:a="http://schemas.openxmlformats.org/drawingml/2006/main" xmlns:p="http://schemas.openxmlformats.org/presentationml/2006/main" xmlns:r="http://schemas.openxmlformats.org/officeDocument/2006/relationships" xmlns:p14="http://schemas.microsoft.com/office/powerpoint/2010/main" xmlns:p15="http://schemas.microsoft.com/office/powerpoint/2012/main" xmlns:mc="http://schemas.openxmlformats.org/markup-compatibility/2006" type="objOverTx" preserve="1">
+<p:sldLayout xmlns:a="http://schemas.openxmlformats.org/drawingml/2006/main" xmlns:p="http://schemas.openxmlformats.org/presentationml/2006/main" xmlns:r="http://schemas.openxmlformats.org/officeDocument/2006/relationships" type="objOverTx" preserve="1">
   <p:cSld name="Title, Content over Content">
     <p:spTree>
       <p:nvGrpSpPr>
@@ -87,17 +88,7 @@
           <a:bodyPr lIns="0" rIns="0" tIns="0" bIns="0" anchor="ctr"/>
           <a:p>
             <a:pPr algn="ctr"/>
-            <a:endParaRPr b="0" lang="en-GB" sz="4400" spc="-1" strike="noStrike">
-              <a:solidFill>
-                <a:srgbClr val="000000"/>
-              </a:solidFill>
-              <a:uFill>
-                <a:solidFill>
-                  <a:srgbClr val="ffffff"/>
-                </a:solidFill>
-              </a:uFill>
-              <a:latin typeface="Arial"/>
-            </a:endParaRPr>
+            <a:endParaRPr/>
           </a:p>
         </p:txBody>
       </p:sp>
@@ -123,17 +114,7 @@
         <p:txBody>
           <a:bodyPr lIns="0" rIns="0" tIns="0" bIns="0"/>
           <a:p>
-            <a:endParaRPr b="0" lang="en-GB" sz="3200" spc="-1" strike="noStrike">
-              <a:solidFill>
-                <a:srgbClr val="000000"/>
-              </a:solidFill>
-              <a:uFill>
-                <a:solidFill>
-                  <a:srgbClr val="ffffff"/>
-                </a:solidFill>
-              </a:uFill>
-              <a:latin typeface="Arial"/>
-            </a:endParaRPr>
+            <a:endParaRPr/>
           </a:p>
         </p:txBody>
       </p:sp>
@@ -159,17 +140,7 @@
         <p:txBody>
           <a:bodyPr lIns="0" rIns="0" tIns="0" bIns="0"/>
           <a:p>
-            <a:endParaRPr b="0" lang="en-GB" sz="3200" spc="-1" strike="noStrike">
-              <a:solidFill>
-                <a:srgbClr val="000000"/>
-              </a:solidFill>
-              <a:uFill>
-                <a:solidFill>
-                  <a:srgbClr val="ffffff"/>
-                </a:solidFill>
-              </a:uFill>
-              <a:latin typeface="Arial"/>
-            </a:endParaRPr>
+            <a:endParaRPr/>
           </a:p>
         </p:txBody>
       </p:sp>
@@ -179,7 +150,7 @@
 </file>
 
 <file path=ppt/slideLayouts/slideLayout11.xml><?xml version="1.0" encoding="utf-8"?>
-<p:sldLayout xmlns:a="http://schemas.openxmlformats.org/drawingml/2006/main" xmlns:p="http://schemas.openxmlformats.org/presentationml/2006/main" xmlns:r="http://schemas.openxmlformats.org/officeDocument/2006/relationships" xmlns:p14="http://schemas.microsoft.com/office/powerpoint/2010/main" xmlns:p15="http://schemas.microsoft.com/office/powerpoint/2012/main" xmlns:mc="http://schemas.openxmlformats.org/markup-compatibility/2006" type="fourObj" preserve="1">
+<p:sldLayout xmlns:a="http://schemas.openxmlformats.org/drawingml/2006/main" xmlns:p="http://schemas.openxmlformats.org/presentationml/2006/main" xmlns:r="http://schemas.openxmlformats.org/officeDocument/2006/relationships" type="fourObj" preserve="1">
   <p:cSld name="Title, 4 Content">
     <p:spTree>
       <p:nvGrpSpPr>
@@ -218,17 +189,7 @@
           <a:bodyPr lIns="0" rIns="0" tIns="0" bIns="0" anchor="ctr"/>
           <a:p>
             <a:pPr algn="ctr"/>
-            <a:endParaRPr b="0" lang="en-GB" sz="4400" spc="-1" strike="noStrike">
-              <a:solidFill>
-                <a:srgbClr val="000000"/>
-              </a:solidFill>
-              <a:uFill>
-                <a:solidFill>
-                  <a:srgbClr val="ffffff"/>
-                </a:solidFill>
-              </a:uFill>
-              <a:latin typeface="Arial"/>
-            </a:endParaRPr>
+            <a:endParaRPr/>
           </a:p>
         </p:txBody>
       </p:sp>
@@ -254,17 +215,7 @@
         <p:txBody>
           <a:bodyPr lIns="0" rIns="0" tIns="0" bIns="0"/>
           <a:p>
-            <a:endParaRPr b="0" lang="en-GB" sz="3200" spc="-1" strike="noStrike">
-              <a:solidFill>
-                <a:srgbClr val="000000"/>
-              </a:solidFill>
-              <a:uFill>
-                <a:solidFill>
-                  <a:srgbClr val="ffffff"/>
-                </a:solidFill>
-              </a:uFill>
-              <a:latin typeface="Arial"/>
-            </a:endParaRPr>
+            <a:endParaRPr/>
           </a:p>
         </p:txBody>
       </p:sp>
@@ -290,17 +241,7 @@
         <p:txBody>
           <a:bodyPr lIns="0" rIns="0" tIns="0" bIns="0"/>
           <a:p>
-            <a:endParaRPr b="0" lang="en-GB" sz="3200" spc="-1" strike="noStrike">
-              <a:solidFill>
-                <a:srgbClr val="000000"/>
-              </a:solidFill>
-              <a:uFill>
-                <a:solidFill>
-                  <a:srgbClr val="ffffff"/>
-                </a:solidFill>
-              </a:uFill>
-              <a:latin typeface="Arial"/>
-            </a:endParaRPr>
+            <a:endParaRPr/>
           </a:p>
         </p:txBody>
       </p:sp>
@@ -326,17 +267,7 @@
         <p:txBody>
           <a:bodyPr lIns="0" rIns="0" tIns="0" bIns="0"/>
           <a:p>
-            <a:endParaRPr b="0" lang="en-GB" sz="3200" spc="-1" strike="noStrike">
-              <a:solidFill>
-                <a:srgbClr val="000000"/>
-              </a:solidFill>
-              <a:uFill>
-                <a:solidFill>
-                  <a:srgbClr val="ffffff"/>
-                </a:solidFill>
-              </a:uFill>
-              <a:latin typeface="Arial"/>
-            </a:endParaRPr>
+            <a:endParaRPr/>
           </a:p>
         </p:txBody>
       </p:sp>
@@ -362,17 +293,7 @@
         <p:txBody>
           <a:bodyPr lIns="0" rIns="0" tIns="0" bIns="0"/>
           <a:p>
-            <a:endParaRPr b="0" lang="en-GB" sz="3200" spc="-1" strike="noStrike">
-              <a:solidFill>
-                <a:srgbClr val="000000"/>
-              </a:solidFill>
-              <a:uFill>
-                <a:solidFill>
-                  <a:srgbClr val="ffffff"/>
-                </a:solidFill>
-              </a:uFill>
-              <a:latin typeface="Arial"/>
-            </a:endParaRPr>
+            <a:endParaRPr/>
           </a:p>
         </p:txBody>
       </p:sp>
@@ -382,7 +303,7 @@
 </file>
 
 <file path=ppt/slideLayouts/slideLayout12.xml><?xml version="1.0" encoding="utf-8"?>
-<p:sldLayout xmlns:a="http://schemas.openxmlformats.org/drawingml/2006/main" xmlns:p="http://schemas.openxmlformats.org/presentationml/2006/main" xmlns:r="http://schemas.openxmlformats.org/officeDocument/2006/relationships" xmlns:p14="http://schemas.microsoft.com/office/powerpoint/2010/main" xmlns:p15="http://schemas.microsoft.com/office/powerpoint/2012/main" xmlns:mc="http://schemas.openxmlformats.org/markup-compatibility/2006" type="blank" preserve="1">
+<p:sldLayout xmlns:a="http://schemas.openxmlformats.org/drawingml/2006/main" xmlns:p="http://schemas.openxmlformats.org/presentationml/2006/main" xmlns:r="http://schemas.openxmlformats.org/officeDocument/2006/relationships" type="blank" preserve="1">
   <p:cSld name="Title, 6 Content">
     <p:spTree>
       <p:nvGrpSpPr>
@@ -421,17 +342,7 @@
           <a:bodyPr lIns="0" rIns="0" tIns="0" bIns="0" anchor="ctr"/>
           <a:p>
             <a:pPr algn="ctr"/>
-            <a:endParaRPr b="0" lang="en-GB" sz="4400" spc="-1" strike="noStrike">
-              <a:solidFill>
-                <a:srgbClr val="000000"/>
-              </a:solidFill>
-              <a:uFill>
-                <a:solidFill>
-                  <a:srgbClr val="ffffff"/>
-                </a:solidFill>
-              </a:uFill>
-              <a:latin typeface="Arial"/>
-            </a:endParaRPr>
+            <a:endParaRPr/>
           </a:p>
         </p:txBody>
       </p:sp>
@@ -448,7 +359,7 @@
         <p:spPr>
           <a:xfrm>
             <a:off x="609480" y="1604520"/>
-            <a:ext cx="10972440" cy="3976920"/>
+            <a:ext cx="10972440" cy="3977280"/>
           </a:xfrm>
           <a:prstGeom prst="rect">
             <a:avLst/>
@@ -457,17 +368,7 @@
         <p:txBody>
           <a:bodyPr lIns="0" rIns="0" tIns="0" bIns="0"/>
           <a:p>
-            <a:endParaRPr b="0" lang="en-GB" sz="3200" spc="-1" strike="noStrike">
-              <a:solidFill>
-                <a:srgbClr val="000000"/>
-              </a:solidFill>
-              <a:uFill>
-                <a:solidFill>
-                  <a:srgbClr val="ffffff"/>
-                </a:solidFill>
-              </a:uFill>
-              <a:latin typeface="Arial"/>
-            </a:endParaRPr>
+            <a:endParaRPr/>
           </a:p>
         </p:txBody>
       </p:sp>
@@ -484,7 +385,7 @@
         <p:spPr>
           <a:xfrm>
             <a:off x="609480" y="1604520"/>
-            <a:ext cx="10972440" cy="3976920"/>
+            <a:ext cx="10972440" cy="3977280"/>
           </a:xfrm>
           <a:prstGeom prst="rect">
             <a:avLst/>
@@ -493,17 +394,7 @@
         <p:txBody>
           <a:bodyPr lIns="0" rIns="0" tIns="0" bIns="0"/>
           <a:p>
-            <a:endParaRPr b="0" lang="en-GB" sz="3200" spc="-1" strike="noStrike">
-              <a:solidFill>
-                <a:srgbClr val="000000"/>
-              </a:solidFill>
-              <a:uFill>
-                <a:solidFill>
-                  <a:srgbClr val="ffffff"/>
-                </a:solidFill>
-              </a:uFill>
-              <a:latin typeface="Arial"/>
-            </a:endParaRPr>
+            <a:endParaRPr/>
           </a:p>
         </p:txBody>
       </p:sp>
@@ -519,8 +410,8 @@
         </p:blipFill>
         <p:spPr>
           <a:xfrm>
-            <a:off x="3603240" y="1604160"/>
-            <a:ext cx="4984200" cy="3976920"/>
+            <a:off x="3602880" y="1604520"/>
+            <a:ext cx="4985280" cy="3977280"/>
           </a:xfrm>
           <a:prstGeom prst="rect">
             <a:avLst/>
@@ -542,8 +433,8 @@
         </p:blipFill>
         <p:spPr>
           <a:xfrm>
-            <a:off x="3603240" y="1604160"/>
-            <a:ext cx="4984200" cy="3976920"/>
+            <a:off x="3602880" y="1604520"/>
+            <a:ext cx="4985280" cy="3977280"/>
           </a:xfrm>
           <a:prstGeom prst="rect">
             <a:avLst/>
@@ -559,7 +450,7 @@
 </file>
 
 <file path=ppt/slideLayouts/slideLayout13.xml><?xml version="1.0" encoding="utf-8"?>
-<p:sldLayout xmlns:a="http://schemas.openxmlformats.org/drawingml/2006/main" xmlns:p="http://schemas.openxmlformats.org/presentationml/2006/main" xmlns:r="http://schemas.openxmlformats.org/officeDocument/2006/relationships" xmlns:p14="http://schemas.microsoft.com/office/powerpoint/2010/main" xmlns:p15="http://schemas.microsoft.com/office/powerpoint/2012/main" xmlns:mc="http://schemas.openxmlformats.org/markup-compatibility/2006" type="blank" preserve="1">
+<p:sldLayout xmlns:a="http://schemas.openxmlformats.org/drawingml/2006/main" xmlns:p="http://schemas.openxmlformats.org/presentationml/2006/main" xmlns:r="http://schemas.openxmlformats.org/officeDocument/2006/relationships" type="blank" preserve="1">
   <p:cSld name="Blank Slide">
     <p:spTree>
       <p:nvGrpSpPr>
@@ -581,7 +472,7 @@
 </file>
 
 <file path=ppt/slideLayouts/slideLayout14.xml><?xml version="1.0" encoding="utf-8"?>
-<p:sldLayout xmlns:a="http://schemas.openxmlformats.org/drawingml/2006/main" xmlns:p="http://schemas.openxmlformats.org/presentationml/2006/main" xmlns:r="http://schemas.openxmlformats.org/officeDocument/2006/relationships" xmlns:p14="http://schemas.microsoft.com/office/powerpoint/2010/main" xmlns:p15="http://schemas.microsoft.com/office/powerpoint/2012/main" xmlns:mc="http://schemas.openxmlformats.org/markup-compatibility/2006" type="tx" preserve="1">
+<p:sldLayout xmlns:a="http://schemas.openxmlformats.org/drawingml/2006/main" xmlns:p="http://schemas.openxmlformats.org/presentationml/2006/main" xmlns:r="http://schemas.openxmlformats.org/officeDocument/2006/relationships" type="tx" preserve="1">
   <p:cSld name="Title Slide">
     <p:spTree>
       <p:nvGrpSpPr>
@@ -620,17 +511,7 @@
           <a:bodyPr lIns="0" rIns="0" tIns="0" bIns="0" anchor="ctr"/>
           <a:p>
             <a:pPr algn="ctr"/>
-            <a:endParaRPr b="0" lang="en-GB" sz="4400" spc="-1" strike="noStrike">
-              <a:solidFill>
-                <a:srgbClr val="000000"/>
-              </a:solidFill>
-              <a:uFill>
-                <a:solidFill>
-                  <a:srgbClr val="ffffff"/>
-                </a:solidFill>
-              </a:uFill>
-              <a:latin typeface="Arial"/>
-            </a:endParaRPr>
+            <a:endParaRPr/>
           </a:p>
         </p:txBody>
       </p:sp>
@@ -647,7 +528,7 @@
         <p:spPr>
           <a:xfrm>
             <a:off x="609480" y="1604520"/>
-            <a:ext cx="10972440" cy="3976920"/>
+            <a:ext cx="10972440" cy="3977280"/>
           </a:xfrm>
           <a:prstGeom prst="rect">
             <a:avLst/>
@@ -657,17 +538,7 @@
           <a:bodyPr lIns="0" rIns="0" tIns="0" bIns="0" anchor="ctr"/>
           <a:p>
             <a:pPr algn="ctr"/>
-            <a:endParaRPr b="0" lang="en-GB" sz="3200" spc="-1" strike="noStrike">
-              <a:solidFill>
-                <a:srgbClr val="000000"/>
-              </a:solidFill>
-              <a:uFill>
-                <a:solidFill>
-                  <a:srgbClr val="ffffff"/>
-                </a:solidFill>
-              </a:uFill>
-              <a:latin typeface="Arial"/>
-            </a:endParaRPr>
+            <a:endParaRPr/>
           </a:p>
         </p:txBody>
       </p:sp>
@@ -677,7 +548,7 @@
 </file>
 
 <file path=ppt/slideLayouts/slideLayout15.xml><?xml version="1.0" encoding="utf-8"?>
-<p:sldLayout xmlns:a="http://schemas.openxmlformats.org/drawingml/2006/main" xmlns:p="http://schemas.openxmlformats.org/presentationml/2006/main" xmlns:r="http://schemas.openxmlformats.org/officeDocument/2006/relationships" xmlns:p14="http://schemas.microsoft.com/office/powerpoint/2010/main" xmlns:p15="http://schemas.microsoft.com/office/powerpoint/2012/main" xmlns:mc="http://schemas.openxmlformats.org/markup-compatibility/2006" type="obj" preserve="1">
+<p:sldLayout xmlns:a="http://schemas.openxmlformats.org/drawingml/2006/main" xmlns:p="http://schemas.openxmlformats.org/presentationml/2006/main" xmlns:r="http://schemas.openxmlformats.org/officeDocument/2006/relationships" type="obj" preserve="1">
   <p:cSld name="Title, Content">
     <p:spTree>
       <p:nvGrpSpPr>
@@ -716,17 +587,7 @@
           <a:bodyPr lIns="0" rIns="0" tIns="0" bIns="0" anchor="ctr"/>
           <a:p>
             <a:pPr algn="ctr"/>
-            <a:endParaRPr b="0" lang="en-GB" sz="4400" spc="-1" strike="noStrike">
-              <a:solidFill>
-                <a:srgbClr val="000000"/>
-              </a:solidFill>
-              <a:uFill>
-                <a:solidFill>
-                  <a:srgbClr val="ffffff"/>
-                </a:solidFill>
-              </a:uFill>
-              <a:latin typeface="Arial"/>
-            </a:endParaRPr>
+            <a:endParaRPr/>
           </a:p>
         </p:txBody>
       </p:sp>
@@ -743,7 +604,7 @@
         <p:spPr>
           <a:xfrm>
             <a:off x="609480" y="1604520"/>
-            <a:ext cx="10972440" cy="3976920"/>
+            <a:ext cx="10972440" cy="3977280"/>
           </a:xfrm>
           <a:prstGeom prst="rect">
             <a:avLst/>
@@ -752,17 +613,7 @@
         <p:txBody>
           <a:bodyPr lIns="0" rIns="0" tIns="0" bIns="0"/>
           <a:p>
-            <a:endParaRPr b="0" lang="en-GB" sz="3200" spc="-1" strike="noStrike">
-              <a:solidFill>
-                <a:srgbClr val="000000"/>
-              </a:solidFill>
-              <a:uFill>
-                <a:solidFill>
-                  <a:srgbClr val="ffffff"/>
-                </a:solidFill>
-              </a:uFill>
-              <a:latin typeface="Arial"/>
-            </a:endParaRPr>
+            <a:endParaRPr/>
           </a:p>
         </p:txBody>
       </p:sp>
@@ -772,7 +623,7 @@
 </file>
 
 <file path=ppt/slideLayouts/slideLayout16.xml><?xml version="1.0" encoding="utf-8"?>
-<p:sldLayout xmlns:a="http://schemas.openxmlformats.org/drawingml/2006/main" xmlns:p="http://schemas.openxmlformats.org/presentationml/2006/main" xmlns:r="http://schemas.openxmlformats.org/officeDocument/2006/relationships" xmlns:p14="http://schemas.microsoft.com/office/powerpoint/2010/main" xmlns:p15="http://schemas.microsoft.com/office/powerpoint/2012/main" xmlns:mc="http://schemas.openxmlformats.org/markup-compatibility/2006" type="twoObj" preserve="1">
+<p:sldLayout xmlns:a="http://schemas.openxmlformats.org/drawingml/2006/main" xmlns:p="http://schemas.openxmlformats.org/presentationml/2006/main" xmlns:r="http://schemas.openxmlformats.org/officeDocument/2006/relationships" type="twoObj" preserve="1">
   <p:cSld name="Title, 2 Content">
     <p:spTree>
       <p:nvGrpSpPr>
@@ -811,17 +662,7 @@
           <a:bodyPr lIns="0" rIns="0" tIns="0" bIns="0" anchor="ctr"/>
           <a:p>
             <a:pPr algn="ctr"/>
-            <a:endParaRPr b="0" lang="en-GB" sz="4400" spc="-1" strike="noStrike">
-              <a:solidFill>
-                <a:srgbClr val="000000"/>
-              </a:solidFill>
-              <a:uFill>
-                <a:solidFill>
-                  <a:srgbClr val="ffffff"/>
-                </a:solidFill>
-              </a:uFill>
-              <a:latin typeface="Arial"/>
-            </a:endParaRPr>
+            <a:endParaRPr/>
           </a:p>
         </p:txBody>
       </p:sp>
@@ -838,7 +679,7 @@
         <p:spPr>
           <a:xfrm>
             <a:off x="609480" y="1604520"/>
-            <a:ext cx="5354280" cy="3976920"/>
+            <a:ext cx="5354280" cy="3977280"/>
           </a:xfrm>
           <a:prstGeom prst="rect">
             <a:avLst/>
@@ -847,17 +688,7 @@
         <p:txBody>
           <a:bodyPr lIns="0" rIns="0" tIns="0" bIns="0"/>
           <a:p>
-            <a:endParaRPr b="0" lang="en-GB" sz="3200" spc="-1" strike="noStrike">
-              <a:solidFill>
-                <a:srgbClr val="000000"/>
-              </a:solidFill>
-              <a:uFill>
-                <a:solidFill>
-                  <a:srgbClr val="ffffff"/>
-                </a:solidFill>
-              </a:uFill>
-              <a:latin typeface="Arial"/>
-            </a:endParaRPr>
+            <a:endParaRPr/>
           </a:p>
         </p:txBody>
       </p:sp>
@@ -874,7 +705,7 @@
         <p:spPr>
           <a:xfrm>
             <a:off x="6231960" y="1604520"/>
-            <a:ext cx="5354280" cy="3976920"/>
+            <a:ext cx="5354280" cy="3977280"/>
           </a:xfrm>
           <a:prstGeom prst="rect">
             <a:avLst/>
@@ -883,17 +714,7 @@
         <p:txBody>
           <a:bodyPr lIns="0" rIns="0" tIns="0" bIns="0"/>
           <a:p>
-            <a:endParaRPr b="0" lang="en-GB" sz="3200" spc="-1" strike="noStrike">
-              <a:solidFill>
-                <a:srgbClr val="000000"/>
-              </a:solidFill>
-              <a:uFill>
-                <a:solidFill>
-                  <a:srgbClr val="ffffff"/>
-                </a:solidFill>
-              </a:uFill>
-              <a:latin typeface="Arial"/>
-            </a:endParaRPr>
+            <a:endParaRPr/>
           </a:p>
         </p:txBody>
       </p:sp>
@@ -903,7 +724,7 @@
 </file>
 
 <file path=ppt/slideLayouts/slideLayout17.xml><?xml version="1.0" encoding="utf-8"?>
-<p:sldLayout xmlns:a="http://schemas.openxmlformats.org/drawingml/2006/main" xmlns:p="http://schemas.openxmlformats.org/presentationml/2006/main" xmlns:r="http://schemas.openxmlformats.org/officeDocument/2006/relationships" xmlns:p14="http://schemas.microsoft.com/office/powerpoint/2010/main" xmlns:p15="http://schemas.microsoft.com/office/powerpoint/2012/main" xmlns:mc="http://schemas.openxmlformats.org/markup-compatibility/2006" type="titleOnly" preserve="1">
+<p:sldLayout xmlns:a="http://schemas.openxmlformats.org/drawingml/2006/main" xmlns:p="http://schemas.openxmlformats.org/presentationml/2006/main" xmlns:r="http://schemas.openxmlformats.org/officeDocument/2006/relationships" type="titleOnly" preserve="1">
   <p:cSld name="Title Only">
     <p:spTree>
       <p:nvGrpSpPr>
@@ -942,17 +763,7 @@
           <a:bodyPr lIns="0" rIns="0" tIns="0" bIns="0" anchor="ctr"/>
           <a:p>
             <a:pPr algn="ctr"/>
-            <a:endParaRPr b="0" lang="en-GB" sz="4400" spc="-1" strike="noStrike">
-              <a:solidFill>
-                <a:srgbClr val="000000"/>
-              </a:solidFill>
-              <a:uFill>
-                <a:solidFill>
-                  <a:srgbClr val="ffffff"/>
-                </a:solidFill>
-              </a:uFill>
-              <a:latin typeface="Arial"/>
-            </a:endParaRPr>
+            <a:endParaRPr/>
           </a:p>
         </p:txBody>
       </p:sp>
@@ -962,7 +773,7 @@
 </file>
 
 <file path=ppt/slideLayouts/slideLayout18.xml><?xml version="1.0" encoding="utf-8"?>
-<p:sldLayout xmlns:a="http://schemas.openxmlformats.org/drawingml/2006/main" xmlns:p="http://schemas.openxmlformats.org/presentationml/2006/main" xmlns:r="http://schemas.openxmlformats.org/officeDocument/2006/relationships" xmlns:p14="http://schemas.microsoft.com/office/powerpoint/2010/main" xmlns:p15="http://schemas.microsoft.com/office/powerpoint/2012/main" xmlns:mc="http://schemas.openxmlformats.org/markup-compatibility/2006" type="objOnly" preserve="1">
+<p:sldLayout xmlns:a="http://schemas.openxmlformats.org/drawingml/2006/main" xmlns:p="http://schemas.openxmlformats.org/presentationml/2006/main" xmlns:r="http://schemas.openxmlformats.org/officeDocument/2006/relationships" type="objOnly" preserve="1">
   <p:cSld name="Centered Text">
     <p:spTree>
       <p:nvGrpSpPr>
@@ -1001,17 +812,7 @@
           <a:bodyPr lIns="0" rIns="0" tIns="0" bIns="0" anchor="ctr"/>
           <a:p>
             <a:pPr algn="ctr"/>
-            <a:endParaRPr b="0" lang="en-GB" sz="3200" spc="-1" strike="noStrike">
-              <a:solidFill>
-                <a:srgbClr val="000000"/>
-              </a:solidFill>
-              <a:uFill>
-                <a:solidFill>
-                  <a:srgbClr val="ffffff"/>
-                </a:solidFill>
-              </a:uFill>
-              <a:latin typeface="Arial"/>
-            </a:endParaRPr>
+            <a:endParaRPr/>
           </a:p>
         </p:txBody>
       </p:sp>
@@ -1021,7 +822,7 @@
 </file>
 
 <file path=ppt/slideLayouts/slideLayout19.xml><?xml version="1.0" encoding="utf-8"?>
-<p:sldLayout xmlns:a="http://schemas.openxmlformats.org/drawingml/2006/main" xmlns:p="http://schemas.openxmlformats.org/presentationml/2006/main" xmlns:r="http://schemas.openxmlformats.org/officeDocument/2006/relationships" xmlns:p14="http://schemas.microsoft.com/office/powerpoint/2010/main" xmlns:p15="http://schemas.microsoft.com/office/powerpoint/2012/main" xmlns:mc="http://schemas.openxmlformats.org/markup-compatibility/2006" type="twoObjAndObj" preserve="1">
+<p:sldLayout xmlns:a="http://schemas.openxmlformats.org/drawingml/2006/main" xmlns:p="http://schemas.openxmlformats.org/presentationml/2006/main" xmlns:r="http://schemas.openxmlformats.org/officeDocument/2006/relationships" type="twoObjAndObj" preserve="1">
   <p:cSld name="Title, 2 Content and Content">
     <p:spTree>
       <p:nvGrpSpPr>
@@ -1060,17 +861,7 @@
           <a:bodyPr lIns="0" rIns="0" tIns="0" bIns="0" anchor="ctr"/>
           <a:p>
             <a:pPr algn="ctr"/>
-            <a:endParaRPr b="0" lang="en-GB" sz="4400" spc="-1" strike="noStrike">
-              <a:solidFill>
-                <a:srgbClr val="000000"/>
-              </a:solidFill>
-              <a:uFill>
-                <a:solidFill>
-                  <a:srgbClr val="ffffff"/>
-                </a:solidFill>
-              </a:uFill>
-              <a:latin typeface="Arial"/>
-            </a:endParaRPr>
+            <a:endParaRPr/>
           </a:p>
         </p:txBody>
       </p:sp>
@@ -1096,17 +887,7 @@
         <p:txBody>
           <a:bodyPr lIns="0" rIns="0" tIns="0" bIns="0"/>
           <a:p>
-            <a:endParaRPr b="0" lang="en-GB" sz="3200" spc="-1" strike="noStrike">
-              <a:solidFill>
-                <a:srgbClr val="000000"/>
-              </a:solidFill>
-              <a:uFill>
-                <a:solidFill>
-                  <a:srgbClr val="ffffff"/>
-                </a:solidFill>
-              </a:uFill>
-              <a:latin typeface="Arial"/>
-            </a:endParaRPr>
+            <a:endParaRPr/>
           </a:p>
         </p:txBody>
       </p:sp>
@@ -1132,17 +913,7 @@
         <p:txBody>
           <a:bodyPr lIns="0" rIns="0" tIns="0" bIns="0"/>
           <a:p>
-            <a:endParaRPr b="0" lang="en-GB" sz="3200" spc="-1" strike="noStrike">
-              <a:solidFill>
-                <a:srgbClr val="000000"/>
-              </a:solidFill>
-              <a:uFill>
-                <a:solidFill>
-                  <a:srgbClr val="ffffff"/>
-                </a:solidFill>
-              </a:uFill>
-              <a:latin typeface="Arial"/>
-            </a:endParaRPr>
+            <a:endParaRPr/>
           </a:p>
         </p:txBody>
       </p:sp>
@@ -1159,7 +930,7 @@
         <p:spPr>
           <a:xfrm>
             <a:off x="6231960" y="1604520"/>
-            <a:ext cx="5354280" cy="3976920"/>
+            <a:ext cx="5354280" cy="3977280"/>
           </a:xfrm>
           <a:prstGeom prst="rect">
             <a:avLst/>
@@ -1168,17 +939,7 @@
         <p:txBody>
           <a:bodyPr lIns="0" rIns="0" tIns="0" bIns="0"/>
           <a:p>
-            <a:endParaRPr b="0" lang="en-GB" sz="3200" spc="-1" strike="noStrike">
-              <a:solidFill>
-                <a:srgbClr val="000000"/>
-              </a:solidFill>
-              <a:uFill>
-                <a:solidFill>
-                  <a:srgbClr val="ffffff"/>
-                </a:solidFill>
-              </a:uFill>
-              <a:latin typeface="Arial"/>
-            </a:endParaRPr>
+            <a:endParaRPr/>
           </a:p>
         </p:txBody>
       </p:sp>
@@ -1188,7 +949,7 @@
 </file>
 
 <file path=ppt/slideLayouts/slideLayout2.xml><?xml version="1.0" encoding="utf-8"?>
-<p:sldLayout xmlns:a="http://schemas.openxmlformats.org/drawingml/2006/main" xmlns:p="http://schemas.openxmlformats.org/presentationml/2006/main" xmlns:r="http://schemas.openxmlformats.org/officeDocument/2006/relationships" xmlns:p14="http://schemas.microsoft.com/office/powerpoint/2010/main" xmlns:p15="http://schemas.microsoft.com/office/powerpoint/2012/main" xmlns:mc="http://schemas.openxmlformats.org/markup-compatibility/2006" type="tx" preserve="1">
+<p:sldLayout xmlns:a="http://schemas.openxmlformats.org/drawingml/2006/main" xmlns:p="http://schemas.openxmlformats.org/presentationml/2006/main" xmlns:r="http://schemas.openxmlformats.org/officeDocument/2006/relationships" type="tx" preserve="1">
   <p:cSld name="Title Slide">
     <p:spTree>
       <p:nvGrpSpPr>
@@ -1227,17 +988,7 @@
           <a:bodyPr lIns="0" rIns="0" tIns="0" bIns="0" anchor="ctr"/>
           <a:p>
             <a:pPr algn="ctr"/>
-            <a:endParaRPr b="0" lang="en-GB" sz="4400" spc="-1" strike="noStrike">
-              <a:solidFill>
-                <a:srgbClr val="000000"/>
-              </a:solidFill>
-              <a:uFill>
-                <a:solidFill>
-                  <a:srgbClr val="ffffff"/>
-                </a:solidFill>
-              </a:uFill>
-              <a:latin typeface="Arial"/>
-            </a:endParaRPr>
+            <a:endParaRPr/>
           </a:p>
         </p:txBody>
       </p:sp>
@@ -1254,7 +1005,7 @@
         <p:spPr>
           <a:xfrm>
             <a:off x="609480" y="1604520"/>
-            <a:ext cx="10972440" cy="3976920"/>
+            <a:ext cx="10972440" cy="3977280"/>
           </a:xfrm>
           <a:prstGeom prst="rect">
             <a:avLst/>
@@ -1264,17 +1015,7 @@
           <a:bodyPr lIns="0" rIns="0" tIns="0" bIns="0" anchor="ctr"/>
           <a:p>
             <a:pPr algn="ctr"/>
-            <a:endParaRPr b="0" lang="en-GB" sz="3200" spc="-1" strike="noStrike">
-              <a:solidFill>
-                <a:srgbClr val="000000"/>
-              </a:solidFill>
-              <a:uFill>
-                <a:solidFill>
-                  <a:srgbClr val="ffffff"/>
-                </a:solidFill>
-              </a:uFill>
-              <a:latin typeface="Arial"/>
-            </a:endParaRPr>
+            <a:endParaRPr/>
           </a:p>
         </p:txBody>
       </p:sp>
@@ -1284,7 +1025,7 @@
 </file>
 
 <file path=ppt/slideLayouts/slideLayout20.xml><?xml version="1.0" encoding="utf-8"?>
-<p:sldLayout xmlns:a="http://schemas.openxmlformats.org/drawingml/2006/main" xmlns:p="http://schemas.openxmlformats.org/presentationml/2006/main" xmlns:r="http://schemas.openxmlformats.org/officeDocument/2006/relationships" xmlns:p14="http://schemas.microsoft.com/office/powerpoint/2010/main" xmlns:p15="http://schemas.microsoft.com/office/powerpoint/2012/main" xmlns:mc="http://schemas.openxmlformats.org/markup-compatibility/2006" type="objAndTwoObj" preserve="1">
+<p:sldLayout xmlns:a="http://schemas.openxmlformats.org/drawingml/2006/main" xmlns:p="http://schemas.openxmlformats.org/presentationml/2006/main" xmlns:r="http://schemas.openxmlformats.org/officeDocument/2006/relationships" type="objAndTwoObj" preserve="1">
   <p:cSld name="Title Content and 2 Content">
     <p:spTree>
       <p:nvGrpSpPr>
@@ -1323,17 +1064,7 @@
           <a:bodyPr lIns="0" rIns="0" tIns="0" bIns="0" anchor="ctr"/>
           <a:p>
             <a:pPr algn="ctr"/>
-            <a:endParaRPr b="0" lang="en-GB" sz="4400" spc="-1" strike="noStrike">
-              <a:solidFill>
-                <a:srgbClr val="000000"/>
-              </a:solidFill>
-              <a:uFill>
-                <a:solidFill>
-                  <a:srgbClr val="ffffff"/>
-                </a:solidFill>
-              </a:uFill>
-              <a:latin typeface="Arial"/>
-            </a:endParaRPr>
+            <a:endParaRPr/>
           </a:p>
         </p:txBody>
       </p:sp>
@@ -1350,7 +1081,7 @@
         <p:spPr>
           <a:xfrm>
             <a:off x="609480" y="1604520"/>
-            <a:ext cx="5354280" cy="3976920"/>
+            <a:ext cx="5354280" cy="3977280"/>
           </a:xfrm>
           <a:prstGeom prst="rect">
             <a:avLst/>
@@ -1359,17 +1090,7 @@
         <p:txBody>
           <a:bodyPr lIns="0" rIns="0" tIns="0" bIns="0"/>
           <a:p>
-            <a:endParaRPr b="0" lang="en-GB" sz="3200" spc="-1" strike="noStrike">
-              <a:solidFill>
-                <a:srgbClr val="000000"/>
-              </a:solidFill>
-              <a:uFill>
-                <a:solidFill>
-                  <a:srgbClr val="ffffff"/>
-                </a:solidFill>
-              </a:uFill>
-              <a:latin typeface="Arial"/>
-            </a:endParaRPr>
+            <a:endParaRPr/>
           </a:p>
         </p:txBody>
       </p:sp>
@@ -1395,17 +1116,7 @@
         <p:txBody>
           <a:bodyPr lIns="0" rIns="0" tIns="0" bIns="0"/>
           <a:p>
-            <a:endParaRPr b="0" lang="en-GB" sz="3200" spc="-1" strike="noStrike">
-              <a:solidFill>
-                <a:srgbClr val="000000"/>
-              </a:solidFill>
-              <a:uFill>
-                <a:solidFill>
-                  <a:srgbClr val="ffffff"/>
-                </a:solidFill>
-              </a:uFill>
-              <a:latin typeface="Arial"/>
-            </a:endParaRPr>
+            <a:endParaRPr/>
           </a:p>
         </p:txBody>
       </p:sp>
@@ -1431,17 +1142,7 @@
         <p:txBody>
           <a:bodyPr lIns="0" rIns="0" tIns="0" bIns="0"/>
           <a:p>
-            <a:endParaRPr b="0" lang="en-GB" sz="3200" spc="-1" strike="noStrike">
-              <a:solidFill>
-                <a:srgbClr val="000000"/>
-              </a:solidFill>
-              <a:uFill>
-                <a:solidFill>
-                  <a:srgbClr val="ffffff"/>
-                </a:solidFill>
-              </a:uFill>
-              <a:latin typeface="Arial"/>
-            </a:endParaRPr>
+            <a:endParaRPr/>
           </a:p>
         </p:txBody>
       </p:sp>
@@ -1451,7 +1152,7 @@
 </file>
 
 <file path=ppt/slideLayouts/slideLayout21.xml><?xml version="1.0" encoding="utf-8"?>
-<p:sldLayout xmlns:a="http://schemas.openxmlformats.org/drawingml/2006/main" xmlns:p="http://schemas.openxmlformats.org/presentationml/2006/main" xmlns:r="http://schemas.openxmlformats.org/officeDocument/2006/relationships" xmlns:p14="http://schemas.microsoft.com/office/powerpoint/2010/main" xmlns:p15="http://schemas.microsoft.com/office/powerpoint/2012/main" xmlns:mc="http://schemas.openxmlformats.org/markup-compatibility/2006" type="twoObjOverTx" preserve="1">
+<p:sldLayout xmlns:a="http://schemas.openxmlformats.org/drawingml/2006/main" xmlns:p="http://schemas.openxmlformats.org/presentationml/2006/main" xmlns:r="http://schemas.openxmlformats.org/officeDocument/2006/relationships" type="twoObjOverTx" preserve="1">
   <p:cSld name="Title, 2 Content over Content">
     <p:spTree>
       <p:nvGrpSpPr>
@@ -1490,17 +1191,7 @@
           <a:bodyPr lIns="0" rIns="0" tIns="0" bIns="0" anchor="ctr"/>
           <a:p>
             <a:pPr algn="ctr"/>
-            <a:endParaRPr b="0" lang="en-GB" sz="4400" spc="-1" strike="noStrike">
-              <a:solidFill>
-                <a:srgbClr val="000000"/>
-              </a:solidFill>
-              <a:uFill>
-                <a:solidFill>
-                  <a:srgbClr val="ffffff"/>
-                </a:solidFill>
-              </a:uFill>
-              <a:latin typeface="Arial"/>
-            </a:endParaRPr>
+            <a:endParaRPr/>
           </a:p>
         </p:txBody>
       </p:sp>
@@ -1526,17 +1217,7 @@
         <p:txBody>
           <a:bodyPr lIns="0" rIns="0" tIns="0" bIns="0"/>
           <a:p>
-            <a:endParaRPr b="0" lang="en-GB" sz="3200" spc="-1" strike="noStrike">
-              <a:solidFill>
-                <a:srgbClr val="000000"/>
-              </a:solidFill>
-              <a:uFill>
-                <a:solidFill>
-                  <a:srgbClr val="ffffff"/>
-                </a:solidFill>
-              </a:uFill>
-              <a:latin typeface="Arial"/>
-            </a:endParaRPr>
+            <a:endParaRPr/>
           </a:p>
         </p:txBody>
       </p:sp>
@@ -1562,17 +1243,7 @@
         <p:txBody>
           <a:bodyPr lIns="0" rIns="0" tIns="0" bIns="0"/>
           <a:p>
-            <a:endParaRPr b="0" lang="en-GB" sz="3200" spc="-1" strike="noStrike">
-              <a:solidFill>
-                <a:srgbClr val="000000"/>
-              </a:solidFill>
-              <a:uFill>
-                <a:solidFill>
-                  <a:srgbClr val="ffffff"/>
-                </a:solidFill>
-              </a:uFill>
-              <a:latin typeface="Arial"/>
-            </a:endParaRPr>
+            <a:endParaRPr/>
           </a:p>
         </p:txBody>
       </p:sp>
@@ -1598,17 +1269,7 @@
         <p:txBody>
           <a:bodyPr lIns="0" rIns="0" tIns="0" bIns="0"/>
           <a:p>
-            <a:endParaRPr b="0" lang="en-GB" sz="3200" spc="-1" strike="noStrike">
-              <a:solidFill>
-                <a:srgbClr val="000000"/>
-              </a:solidFill>
-              <a:uFill>
-                <a:solidFill>
-                  <a:srgbClr val="ffffff"/>
-                </a:solidFill>
-              </a:uFill>
-              <a:latin typeface="Arial"/>
-            </a:endParaRPr>
+            <a:endParaRPr/>
           </a:p>
         </p:txBody>
       </p:sp>
@@ -1618,7 +1279,7 @@
 </file>
 
 <file path=ppt/slideLayouts/slideLayout22.xml><?xml version="1.0" encoding="utf-8"?>
-<p:sldLayout xmlns:a="http://schemas.openxmlformats.org/drawingml/2006/main" xmlns:p="http://schemas.openxmlformats.org/presentationml/2006/main" xmlns:r="http://schemas.openxmlformats.org/officeDocument/2006/relationships" xmlns:p14="http://schemas.microsoft.com/office/powerpoint/2010/main" xmlns:p15="http://schemas.microsoft.com/office/powerpoint/2012/main" xmlns:mc="http://schemas.openxmlformats.org/markup-compatibility/2006" type="objOverTx" preserve="1">
+<p:sldLayout xmlns:a="http://schemas.openxmlformats.org/drawingml/2006/main" xmlns:p="http://schemas.openxmlformats.org/presentationml/2006/main" xmlns:r="http://schemas.openxmlformats.org/officeDocument/2006/relationships" type="objOverTx" preserve="1">
   <p:cSld name="Title, Content over Content">
     <p:spTree>
       <p:nvGrpSpPr>
@@ -1657,17 +1318,7 @@
           <a:bodyPr lIns="0" rIns="0" tIns="0" bIns="0" anchor="ctr"/>
           <a:p>
             <a:pPr algn="ctr"/>
-            <a:endParaRPr b="0" lang="en-GB" sz="4400" spc="-1" strike="noStrike">
-              <a:solidFill>
-                <a:srgbClr val="000000"/>
-              </a:solidFill>
-              <a:uFill>
-                <a:solidFill>
-                  <a:srgbClr val="ffffff"/>
-                </a:solidFill>
-              </a:uFill>
-              <a:latin typeface="Arial"/>
-            </a:endParaRPr>
+            <a:endParaRPr/>
           </a:p>
         </p:txBody>
       </p:sp>
@@ -1693,17 +1344,7 @@
         <p:txBody>
           <a:bodyPr lIns="0" rIns="0" tIns="0" bIns="0"/>
           <a:p>
-            <a:endParaRPr b="0" lang="en-GB" sz="3200" spc="-1" strike="noStrike">
-              <a:solidFill>
-                <a:srgbClr val="000000"/>
-              </a:solidFill>
-              <a:uFill>
-                <a:solidFill>
-                  <a:srgbClr val="ffffff"/>
-                </a:solidFill>
-              </a:uFill>
-              <a:latin typeface="Arial"/>
-            </a:endParaRPr>
+            <a:endParaRPr/>
           </a:p>
         </p:txBody>
       </p:sp>
@@ -1729,17 +1370,7 @@
         <p:txBody>
           <a:bodyPr lIns="0" rIns="0" tIns="0" bIns="0"/>
           <a:p>
-            <a:endParaRPr b="0" lang="en-GB" sz="3200" spc="-1" strike="noStrike">
-              <a:solidFill>
-                <a:srgbClr val="000000"/>
-              </a:solidFill>
-              <a:uFill>
-                <a:solidFill>
-                  <a:srgbClr val="ffffff"/>
-                </a:solidFill>
-              </a:uFill>
-              <a:latin typeface="Arial"/>
-            </a:endParaRPr>
+            <a:endParaRPr/>
           </a:p>
         </p:txBody>
       </p:sp>
@@ -1749,7 +1380,7 @@
 </file>
 
 <file path=ppt/slideLayouts/slideLayout23.xml><?xml version="1.0" encoding="utf-8"?>
-<p:sldLayout xmlns:a="http://schemas.openxmlformats.org/drawingml/2006/main" xmlns:p="http://schemas.openxmlformats.org/presentationml/2006/main" xmlns:r="http://schemas.openxmlformats.org/officeDocument/2006/relationships" xmlns:p14="http://schemas.microsoft.com/office/powerpoint/2010/main" xmlns:p15="http://schemas.microsoft.com/office/powerpoint/2012/main" xmlns:mc="http://schemas.openxmlformats.org/markup-compatibility/2006" type="fourObj" preserve="1">
+<p:sldLayout xmlns:a="http://schemas.openxmlformats.org/drawingml/2006/main" xmlns:p="http://schemas.openxmlformats.org/presentationml/2006/main" xmlns:r="http://schemas.openxmlformats.org/officeDocument/2006/relationships" type="fourObj" preserve="1">
   <p:cSld name="Title, 4 Content">
     <p:spTree>
       <p:nvGrpSpPr>
@@ -1788,17 +1419,7 @@
           <a:bodyPr lIns="0" rIns="0" tIns="0" bIns="0" anchor="ctr"/>
           <a:p>
             <a:pPr algn="ctr"/>
-            <a:endParaRPr b="0" lang="en-GB" sz="4400" spc="-1" strike="noStrike">
-              <a:solidFill>
-                <a:srgbClr val="000000"/>
-              </a:solidFill>
-              <a:uFill>
-                <a:solidFill>
-                  <a:srgbClr val="ffffff"/>
-                </a:solidFill>
-              </a:uFill>
-              <a:latin typeface="Arial"/>
-            </a:endParaRPr>
+            <a:endParaRPr/>
           </a:p>
         </p:txBody>
       </p:sp>
@@ -1824,17 +1445,7 @@
         <p:txBody>
           <a:bodyPr lIns="0" rIns="0" tIns="0" bIns="0"/>
           <a:p>
-            <a:endParaRPr b="0" lang="en-GB" sz="3200" spc="-1" strike="noStrike">
-              <a:solidFill>
-                <a:srgbClr val="000000"/>
-              </a:solidFill>
-              <a:uFill>
-                <a:solidFill>
-                  <a:srgbClr val="ffffff"/>
-                </a:solidFill>
-              </a:uFill>
-              <a:latin typeface="Arial"/>
-            </a:endParaRPr>
+            <a:endParaRPr/>
           </a:p>
         </p:txBody>
       </p:sp>
@@ -1860,17 +1471,7 @@
         <p:txBody>
           <a:bodyPr lIns="0" rIns="0" tIns="0" bIns="0"/>
           <a:p>
-            <a:endParaRPr b="0" lang="en-GB" sz="3200" spc="-1" strike="noStrike">
-              <a:solidFill>
-                <a:srgbClr val="000000"/>
-              </a:solidFill>
-              <a:uFill>
-                <a:solidFill>
-                  <a:srgbClr val="ffffff"/>
-                </a:solidFill>
-              </a:uFill>
-              <a:latin typeface="Arial"/>
-            </a:endParaRPr>
+            <a:endParaRPr/>
           </a:p>
         </p:txBody>
       </p:sp>
@@ -1896,17 +1497,7 @@
         <p:txBody>
           <a:bodyPr lIns="0" rIns="0" tIns="0" bIns="0"/>
           <a:p>
-            <a:endParaRPr b="0" lang="en-GB" sz="3200" spc="-1" strike="noStrike">
-              <a:solidFill>
-                <a:srgbClr val="000000"/>
-              </a:solidFill>
-              <a:uFill>
-                <a:solidFill>
-                  <a:srgbClr val="ffffff"/>
-                </a:solidFill>
-              </a:uFill>
-              <a:latin typeface="Arial"/>
-            </a:endParaRPr>
+            <a:endParaRPr/>
           </a:p>
         </p:txBody>
       </p:sp>
@@ -1932,17 +1523,7 @@
         <p:txBody>
           <a:bodyPr lIns="0" rIns="0" tIns="0" bIns="0"/>
           <a:p>
-            <a:endParaRPr b="0" lang="en-GB" sz="3200" spc="-1" strike="noStrike">
-              <a:solidFill>
-                <a:srgbClr val="000000"/>
-              </a:solidFill>
-              <a:uFill>
-                <a:solidFill>
-                  <a:srgbClr val="ffffff"/>
-                </a:solidFill>
-              </a:uFill>
-              <a:latin typeface="Arial"/>
-            </a:endParaRPr>
+            <a:endParaRPr/>
           </a:p>
         </p:txBody>
       </p:sp>
@@ -1952,7 +1533,7 @@
 </file>
 
 <file path=ppt/slideLayouts/slideLayout24.xml><?xml version="1.0" encoding="utf-8"?>
-<p:sldLayout xmlns:a="http://schemas.openxmlformats.org/drawingml/2006/main" xmlns:p="http://schemas.openxmlformats.org/presentationml/2006/main" xmlns:r="http://schemas.openxmlformats.org/officeDocument/2006/relationships" xmlns:p14="http://schemas.microsoft.com/office/powerpoint/2010/main" xmlns:p15="http://schemas.microsoft.com/office/powerpoint/2012/main" xmlns:mc="http://schemas.openxmlformats.org/markup-compatibility/2006" type="blank" preserve="1">
+<p:sldLayout xmlns:a="http://schemas.openxmlformats.org/drawingml/2006/main" xmlns:p="http://schemas.openxmlformats.org/presentationml/2006/main" xmlns:r="http://schemas.openxmlformats.org/officeDocument/2006/relationships" type="blank" preserve="1">
   <p:cSld name="Title, 6 Content">
     <p:spTree>
       <p:nvGrpSpPr>
@@ -1991,17 +1572,7 @@
           <a:bodyPr lIns="0" rIns="0" tIns="0" bIns="0" anchor="ctr"/>
           <a:p>
             <a:pPr algn="ctr"/>
-            <a:endParaRPr b="0" lang="en-GB" sz="4400" spc="-1" strike="noStrike">
-              <a:solidFill>
-                <a:srgbClr val="000000"/>
-              </a:solidFill>
-              <a:uFill>
-                <a:solidFill>
-                  <a:srgbClr val="ffffff"/>
-                </a:solidFill>
-              </a:uFill>
-              <a:latin typeface="Arial"/>
-            </a:endParaRPr>
+            <a:endParaRPr/>
           </a:p>
         </p:txBody>
       </p:sp>
@@ -2018,7 +1589,7 @@
         <p:spPr>
           <a:xfrm>
             <a:off x="609480" y="1604520"/>
-            <a:ext cx="10972440" cy="3976920"/>
+            <a:ext cx="10972440" cy="3977280"/>
           </a:xfrm>
           <a:prstGeom prst="rect">
             <a:avLst/>
@@ -2027,17 +1598,7 @@
         <p:txBody>
           <a:bodyPr lIns="0" rIns="0" tIns="0" bIns="0"/>
           <a:p>
-            <a:endParaRPr b="0" lang="en-GB" sz="3200" spc="-1" strike="noStrike">
-              <a:solidFill>
-                <a:srgbClr val="000000"/>
-              </a:solidFill>
-              <a:uFill>
-                <a:solidFill>
-                  <a:srgbClr val="ffffff"/>
-                </a:solidFill>
-              </a:uFill>
-              <a:latin typeface="Arial"/>
-            </a:endParaRPr>
+            <a:endParaRPr/>
           </a:p>
         </p:txBody>
       </p:sp>
@@ -2054,7 +1615,7 @@
         <p:spPr>
           <a:xfrm>
             <a:off x="609480" y="1604520"/>
-            <a:ext cx="10972440" cy="3976920"/>
+            <a:ext cx="10972440" cy="3977280"/>
           </a:xfrm>
           <a:prstGeom prst="rect">
             <a:avLst/>
@@ -2063,17 +1624,7 @@
         <p:txBody>
           <a:bodyPr lIns="0" rIns="0" tIns="0" bIns="0"/>
           <a:p>
-            <a:endParaRPr b="0" lang="en-GB" sz="3200" spc="-1" strike="noStrike">
-              <a:solidFill>
-                <a:srgbClr val="000000"/>
-              </a:solidFill>
-              <a:uFill>
-                <a:solidFill>
-                  <a:srgbClr val="ffffff"/>
-                </a:solidFill>
-              </a:uFill>
-              <a:latin typeface="Arial"/>
-            </a:endParaRPr>
+            <a:endParaRPr/>
           </a:p>
         </p:txBody>
       </p:sp>
@@ -2089,8 +1640,8 @@
         </p:blipFill>
         <p:spPr>
           <a:xfrm>
-            <a:off x="3603240" y="1604160"/>
-            <a:ext cx="4984200" cy="3976920"/>
+            <a:off x="3602880" y="1604520"/>
+            <a:ext cx="4985280" cy="3977280"/>
           </a:xfrm>
           <a:prstGeom prst="rect">
             <a:avLst/>
@@ -2112,8 +1663,8 @@
         </p:blipFill>
         <p:spPr>
           <a:xfrm>
-            <a:off x="3603240" y="1604160"/>
-            <a:ext cx="4984200" cy="3976920"/>
+            <a:off x="3602880" y="1604520"/>
+            <a:ext cx="4985280" cy="3977280"/>
           </a:xfrm>
           <a:prstGeom prst="rect">
             <a:avLst/>
@@ -2129,7 +1680,7 @@
 </file>
 
 <file path=ppt/slideLayouts/slideLayout3.xml><?xml version="1.0" encoding="utf-8"?>
-<p:sldLayout xmlns:a="http://schemas.openxmlformats.org/drawingml/2006/main" xmlns:p="http://schemas.openxmlformats.org/presentationml/2006/main" xmlns:r="http://schemas.openxmlformats.org/officeDocument/2006/relationships" xmlns:p14="http://schemas.microsoft.com/office/powerpoint/2010/main" xmlns:p15="http://schemas.microsoft.com/office/powerpoint/2012/main" xmlns:mc="http://schemas.openxmlformats.org/markup-compatibility/2006" type="obj" preserve="1">
+<p:sldLayout xmlns:a="http://schemas.openxmlformats.org/drawingml/2006/main" xmlns:p="http://schemas.openxmlformats.org/presentationml/2006/main" xmlns:r="http://schemas.openxmlformats.org/officeDocument/2006/relationships" type="obj" preserve="1">
   <p:cSld name="Title, Content">
     <p:spTree>
       <p:nvGrpSpPr>
@@ -2168,17 +1719,7 @@
           <a:bodyPr lIns="0" rIns="0" tIns="0" bIns="0" anchor="ctr"/>
           <a:p>
             <a:pPr algn="ctr"/>
-            <a:endParaRPr b="0" lang="en-GB" sz="4400" spc="-1" strike="noStrike">
-              <a:solidFill>
-                <a:srgbClr val="000000"/>
-              </a:solidFill>
-              <a:uFill>
-                <a:solidFill>
-                  <a:srgbClr val="ffffff"/>
-                </a:solidFill>
-              </a:uFill>
-              <a:latin typeface="Arial"/>
-            </a:endParaRPr>
+            <a:endParaRPr/>
           </a:p>
         </p:txBody>
       </p:sp>
@@ -2195,7 +1736,7 @@
         <p:spPr>
           <a:xfrm>
             <a:off x="609480" y="1604520"/>
-            <a:ext cx="10972440" cy="3976920"/>
+            <a:ext cx="10972440" cy="3977280"/>
           </a:xfrm>
           <a:prstGeom prst="rect">
             <a:avLst/>
@@ -2204,17 +1745,7 @@
         <p:txBody>
           <a:bodyPr lIns="0" rIns="0" tIns="0" bIns="0"/>
           <a:p>
-            <a:endParaRPr b="0" lang="en-GB" sz="3200" spc="-1" strike="noStrike">
-              <a:solidFill>
-                <a:srgbClr val="000000"/>
-              </a:solidFill>
-              <a:uFill>
-                <a:solidFill>
-                  <a:srgbClr val="ffffff"/>
-                </a:solidFill>
-              </a:uFill>
-              <a:latin typeface="Arial"/>
-            </a:endParaRPr>
+            <a:endParaRPr/>
           </a:p>
         </p:txBody>
       </p:sp>
@@ -2224,7 +1755,7 @@
 </file>
 
 <file path=ppt/slideLayouts/slideLayout4.xml><?xml version="1.0" encoding="utf-8"?>
-<p:sldLayout xmlns:a="http://schemas.openxmlformats.org/drawingml/2006/main" xmlns:p="http://schemas.openxmlformats.org/presentationml/2006/main" xmlns:r="http://schemas.openxmlformats.org/officeDocument/2006/relationships" xmlns:p14="http://schemas.microsoft.com/office/powerpoint/2010/main" xmlns:p15="http://schemas.microsoft.com/office/powerpoint/2012/main" xmlns:mc="http://schemas.openxmlformats.org/markup-compatibility/2006" type="twoObj" preserve="1">
+<p:sldLayout xmlns:a="http://schemas.openxmlformats.org/drawingml/2006/main" xmlns:p="http://schemas.openxmlformats.org/presentationml/2006/main" xmlns:r="http://schemas.openxmlformats.org/officeDocument/2006/relationships" type="twoObj" preserve="1">
   <p:cSld name="Title, 2 Content">
     <p:spTree>
       <p:nvGrpSpPr>
@@ -2263,17 +1794,7 @@
           <a:bodyPr lIns="0" rIns="0" tIns="0" bIns="0" anchor="ctr"/>
           <a:p>
             <a:pPr algn="ctr"/>
-            <a:endParaRPr b="0" lang="en-GB" sz="4400" spc="-1" strike="noStrike">
-              <a:solidFill>
-                <a:srgbClr val="000000"/>
-              </a:solidFill>
-              <a:uFill>
-                <a:solidFill>
-                  <a:srgbClr val="ffffff"/>
-                </a:solidFill>
-              </a:uFill>
-              <a:latin typeface="Arial"/>
-            </a:endParaRPr>
+            <a:endParaRPr/>
           </a:p>
         </p:txBody>
       </p:sp>
@@ -2290,7 +1811,7 @@
         <p:spPr>
           <a:xfrm>
             <a:off x="609480" y="1604520"/>
-            <a:ext cx="5354280" cy="3976920"/>
+            <a:ext cx="5354280" cy="3977280"/>
           </a:xfrm>
           <a:prstGeom prst="rect">
             <a:avLst/>
@@ -2299,17 +1820,7 @@
         <p:txBody>
           <a:bodyPr lIns="0" rIns="0" tIns="0" bIns="0"/>
           <a:p>
-            <a:endParaRPr b="0" lang="en-GB" sz="3200" spc="-1" strike="noStrike">
-              <a:solidFill>
-                <a:srgbClr val="000000"/>
-              </a:solidFill>
-              <a:uFill>
-                <a:solidFill>
-                  <a:srgbClr val="ffffff"/>
-                </a:solidFill>
-              </a:uFill>
-              <a:latin typeface="Arial"/>
-            </a:endParaRPr>
+            <a:endParaRPr/>
           </a:p>
         </p:txBody>
       </p:sp>
@@ -2326,7 +1837,7 @@
         <p:spPr>
           <a:xfrm>
             <a:off x="6231960" y="1604520"/>
-            <a:ext cx="5354280" cy="3976920"/>
+            <a:ext cx="5354280" cy="3977280"/>
           </a:xfrm>
           <a:prstGeom prst="rect">
             <a:avLst/>
@@ -2335,17 +1846,7 @@
         <p:txBody>
           <a:bodyPr lIns="0" rIns="0" tIns="0" bIns="0"/>
           <a:p>
-            <a:endParaRPr b="0" lang="en-GB" sz="3200" spc="-1" strike="noStrike">
-              <a:solidFill>
-                <a:srgbClr val="000000"/>
-              </a:solidFill>
-              <a:uFill>
-                <a:solidFill>
-                  <a:srgbClr val="ffffff"/>
-                </a:solidFill>
-              </a:uFill>
-              <a:latin typeface="Arial"/>
-            </a:endParaRPr>
+            <a:endParaRPr/>
           </a:p>
         </p:txBody>
       </p:sp>
@@ -2355,7 +1856,7 @@
 </file>
 
 <file path=ppt/slideLayouts/slideLayout5.xml><?xml version="1.0" encoding="utf-8"?>
-<p:sldLayout xmlns:a="http://schemas.openxmlformats.org/drawingml/2006/main" xmlns:p="http://schemas.openxmlformats.org/presentationml/2006/main" xmlns:r="http://schemas.openxmlformats.org/officeDocument/2006/relationships" xmlns:p14="http://schemas.microsoft.com/office/powerpoint/2010/main" xmlns:p15="http://schemas.microsoft.com/office/powerpoint/2012/main" xmlns:mc="http://schemas.openxmlformats.org/markup-compatibility/2006" type="titleOnly" preserve="1">
+<p:sldLayout xmlns:a="http://schemas.openxmlformats.org/drawingml/2006/main" xmlns:p="http://schemas.openxmlformats.org/presentationml/2006/main" xmlns:r="http://schemas.openxmlformats.org/officeDocument/2006/relationships" type="titleOnly" preserve="1">
   <p:cSld name="Title Only">
     <p:spTree>
       <p:nvGrpSpPr>
@@ -2394,17 +1895,7 @@
           <a:bodyPr lIns="0" rIns="0" tIns="0" bIns="0" anchor="ctr"/>
           <a:p>
             <a:pPr algn="ctr"/>
-            <a:endParaRPr b="0" lang="en-GB" sz="4400" spc="-1" strike="noStrike">
-              <a:solidFill>
-                <a:srgbClr val="000000"/>
-              </a:solidFill>
-              <a:uFill>
-                <a:solidFill>
-                  <a:srgbClr val="ffffff"/>
-                </a:solidFill>
-              </a:uFill>
-              <a:latin typeface="Arial"/>
-            </a:endParaRPr>
+            <a:endParaRPr/>
           </a:p>
         </p:txBody>
       </p:sp>
@@ -2414,7 +1905,7 @@
 </file>
 
 <file path=ppt/slideLayouts/slideLayout6.xml><?xml version="1.0" encoding="utf-8"?>
-<p:sldLayout xmlns:a="http://schemas.openxmlformats.org/drawingml/2006/main" xmlns:p="http://schemas.openxmlformats.org/presentationml/2006/main" xmlns:r="http://schemas.openxmlformats.org/officeDocument/2006/relationships" xmlns:p14="http://schemas.microsoft.com/office/powerpoint/2010/main" xmlns:p15="http://schemas.microsoft.com/office/powerpoint/2012/main" xmlns:mc="http://schemas.openxmlformats.org/markup-compatibility/2006" type="objOnly" preserve="1">
+<p:sldLayout xmlns:a="http://schemas.openxmlformats.org/drawingml/2006/main" xmlns:p="http://schemas.openxmlformats.org/presentationml/2006/main" xmlns:r="http://schemas.openxmlformats.org/officeDocument/2006/relationships" type="objOnly" preserve="1">
   <p:cSld name="Centered Text">
     <p:spTree>
       <p:nvGrpSpPr>
@@ -2453,17 +1944,7 @@
           <a:bodyPr lIns="0" rIns="0" tIns="0" bIns="0" anchor="ctr"/>
           <a:p>
             <a:pPr algn="ctr"/>
-            <a:endParaRPr b="0" lang="en-GB" sz="3200" spc="-1" strike="noStrike">
-              <a:solidFill>
-                <a:srgbClr val="000000"/>
-              </a:solidFill>
-              <a:uFill>
-                <a:solidFill>
-                  <a:srgbClr val="ffffff"/>
-                </a:solidFill>
-              </a:uFill>
-              <a:latin typeface="Arial"/>
-            </a:endParaRPr>
+            <a:endParaRPr/>
           </a:p>
         </p:txBody>
       </p:sp>
@@ -2473,7 +1954,7 @@
 </file>
 
 <file path=ppt/slideLayouts/slideLayout7.xml><?xml version="1.0" encoding="utf-8"?>
-<p:sldLayout xmlns:a="http://schemas.openxmlformats.org/drawingml/2006/main" xmlns:p="http://schemas.openxmlformats.org/presentationml/2006/main" xmlns:r="http://schemas.openxmlformats.org/officeDocument/2006/relationships" xmlns:p14="http://schemas.microsoft.com/office/powerpoint/2010/main" xmlns:p15="http://schemas.microsoft.com/office/powerpoint/2012/main" xmlns:mc="http://schemas.openxmlformats.org/markup-compatibility/2006" type="twoObjAndObj" preserve="1">
+<p:sldLayout xmlns:a="http://schemas.openxmlformats.org/drawingml/2006/main" xmlns:p="http://schemas.openxmlformats.org/presentationml/2006/main" xmlns:r="http://schemas.openxmlformats.org/officeDocument/2006/relationships" type="twoObjAndObj" preserve="1">
   <p:cSld name="Title, 2 Content and Content">
     <p:spTree>
       <p:nvGrpSpPr>
@@ -2512,17 +1993,7 @@
           <a:bodyPr lIns="0" rIns="0" tIns="0" bIns="0" anchor="ctr"/>
           <a:p>
             <a:pPr algn="ctr"/>
-            <a:endParaRPr b="0" lang="en-GB" sz="4400" spc="-1" strike="noStrike">
-              <a:solidFill>
-                <a:srgbClr val="000000"/>
-              </a:solidFill>
-              <a:uFill>
-                <a:solidFill>
-                  <a:srgbClr val="ffffff"/>
-                </a:solidFill>
-              </a:uFill>
-              <a:latin typeface="Arial"/>
-            </a:endParaRPr>
+            <a:endParaRPr/>
           </a:p>
         </p:txBody>
       </p:sp>
@@ -2548,17 +2019,7 @@
         <p:txBody>
           <a:bodyPr lIns="0" rIns="0" tIns="0" bIns="0"/>
           <a:p>
-            <a:endParaRPr b="0" lang="en-GB" sz="3200" spc="-1" strike="noStrike">
-              <a:solidFill>
-                <a:srgbClr val="000000"/>
-              </a:solidFill>
-              <a:uFill>
-                <a:solidFill>
-                  <a:srgbClr val="ffffff"/>
-                </a:solidFill>
-              </a:uFill>
-              <a:latin typeface="Arial"/>
-            </a:endParaRPr>
+            <a:endParaRPr/>
           </a:p>
         </p:txBody>
       </p:sp>
@@ -2584,17 +2045,7 @@
         <p:txBody>
           <a:bodyPr lIns="0" rIns="0" tIns="0" bIns="0"/>
           <a:p>
-            <a:endParaRPr b="0" lang="en-GB" sz="3200" spc="-1" strike="noStrike">
-              <a:solidFill>
-                <a:srgbClr val="000000"/>
-              </a:solidFill>
-              <a:uFill>
-                <a:solidFill>
-                  <a:srgbClr val="ffffff"/>
-                </a:solidFill>
-              </a:uFill>
-              <a:latin typeface="Arial"/>
-            </a:endParaRPr>
+            <a:endParaRPr/>
           </a:p>
         </p:txBody>
       </p:sp>
@@ -2611,7 +2062,7 @@
         <p:spPr>
           <a:xfrm>
             <a:off x="6231960" y="1604520"/>
-            <a:ext cx="5354280" cy="3976920"/>
+            <a:ext cx="5354280" cy="3977280"/>
           </a:xfrm>
           <a:prstGeom prst="rect">
             <a:avLst/>
@@ -2620,17 +2071,7 @@
         <p:txBody>
           <a:bodyPr lIns="0" rIns="0" tIns="0" bIns="0"/>
           <a:p>
-            <a:endParaRPr b="0" lang="en-GB" sz="3200" spc="-1" strike="noStrike">
-              <a:solidFill>
-                <a:srgbClr val="000000"/>
-              </a:solidFill>
-              <a:uFill>
-                <a:solidFill>
-                  <a:srgbClr val="ffffff"/>
-                </a:solidFill>
-              </a:uFill>
-              <a:latin typeface="Arial"/>
-            </a:endParaRPr>
+            <a:endParaRPr/>
           </a:p>
         </p:txBody>
       </p:sp>
@@ -2640,7 +2081,7 @@
 </file>
 
 <file path=ppt/slideLayouts/slideLayout8.xml><?xml version="1.0" encoding="utf-8"?>
-<p:sldLayout xmlns:a="http://schemas.openxmlformats.org/drawingml/2006/main" xmlns:p="http://schemas.openxmlformats.org/presentationml/2006/main" xmlns:r="http://schemas.openxmlformats.org/officeDocument/2006/relationships" xmlns:p14="http://schemas.microsoft.com/office/powerpoint/2010/main" xmlns:p15="http://schemas.microsoft.com/office/powerpoint/2012/main" xmlns:mc="http://schemas.openxmlformats.org/markup-compatibility/2006" type="objAndTwoObj" preserve="1">
+<p:sldLayout xmlns:a="http://schemas.openxmlformats.org/drawingml/2006/main" xmlns:p="http://schemas.openxmlformats.org/presentationml/2006/main" xmlns:r="http://schemas.openxmlformats.org/officeDocument/2006/relationships" type="objAndTwoObj" preserve="1">
   <p:cSld name="Title Content and 2 Content">
     <p:spTree>
       <p:nvGrpSpPr>
@@ -2679,17 +2120,7 @@
           <a:bodyPr lIns="0" rIns="0" tIns="0" bIns="0" anchor="ctr"/>
           <a:p>
             <a:pPr algn="ctr"/>
-            <a:endParaRPr b="0" lang="en-GB" sz="4400" spc="-1" strike="noStrike">
-              <a:solidFill>
-                <a:srgbClr val="000000"/>
-              </a:solidFill>
-              <a:uFill>
-                <a:solidFill>
-                  <a:srgbClr val="ffffff"/>
-                </a:solidFill>
-              </a:uFill>
-              <a:latin typeface="Arial"/>
-            </a:endParaRPr>
+            <a:endParaRPr/>
           </a:p>
         </p:txBody>
       </p:sp>
@@ -2706,7 +2137,7 @@
         <p:spPr>
           <a:xfrm>
             <a:off x="609480" y="1604520"/>
-            <a:ext cx="5354280" cy="3976920"/>
+            <a:ext cx="5354280" cy="3977280"/>
           </a:xfrm>
           <a:prstGeom prst="rect">
             <a:avLst/>
@@ -2715,17 +2146,7 @@
         <p:txBody>
           <a:bodyPr lIns="0" rIns="0" tIns="0" bIns="0"/>
           <a:p>
-            <a:endParaRPr b="0" lang="en-GB" sz="3200" spc="-1" strike="noStrike">
-              <a:solidFill>
-                <a:srgbClr val="000000"/>
-              </a:solidFill>
-              <a:uFill>
-                <a:solidFill>
-                  <a:srgbClr val="ffffff"/>
-                </a:solidFill>
-              </a:uFill>
-              <a:latin typeface="Arial"/>
-            </a:endParaRPr>
+            <a:endParaRPr/>
           </a:p>
         </p:txBody>
       </p:sp>
@@ -2751,17 +2172,7 @@
         <p:txBody>
           <a:bodyPr lIns="0" rIns="0" tIns="0" bIns="0"/>
           <a:p>
-            <a:endParaRPr b="0" lang="en-GB" sz="3200" spc="-1" strike="noStrike">
-              <a:solidFill>
-                <a:srgbClr val="000000"/>
-              </a:solidFill>
-              <a:uFill>
-                <a:solidFill>
-                  <a:srgbClr val="ffffff"/>
-                </a:solidFill>
-              </a:uFill>
-              <a:latin typeface="Arial"/>
-            </a:endParaRPr>
+            <a:endParaRPr/>
           </a:p>
         </p:txBody>
       </p:sp>
@@ -2787,17 +2198,7 @@
         <p:txBody>
           <a:bodyPr lIns="0" rIns="0" tIns="0" bIns="0"/>
           <a:p>
-            <a:endParaRPr b="0" lang="en-GB" sz="3200" spc="-1" strike="noStrike">
-              <a:solidFill>
-                <a:srgbClr val="000000"/>
-              </a:solidFill>
-              <a:uFill>
-                <a:solidFill>
-                  <a:srgbClr val="ffffff"/>
-                </a:solidFill>
-              </a:uFill>
-              <a:latin typeface="Arial"/>
-            </a:endParaRPr>
+            <a:endParaRPr/>
           </a:p>
         </p:txBody>
       </p:sp>
@@ -2807,7 +2208,7 @@
 </file>
 
 <file path=ppt/slideLayouts/slideLayout9.xml><?xml version="1.0" encoding="utf-8"?>
-<p:sldLayout xmlns:a="http://schemas.openxmlformats.org/drawingml/2006/main" xmlns:p="http://schemas.openxmlformats.org/presentationml/2006/main" xmlns:r="http://schemas.openxmlformats.org/officeDocument/2006/relationships" xmlns:p14="http://schemas.microsoft.com/office/powerpoint/2010/main" xmlns:p15="http://schemas.microsoft.com/office/powerpoint/2012/main" xmlns:mc="http://schemas.openxmlformats.org/markup-compatibility/2006" type="twoObjOverTx" preserve="1">
+<p:sldLayout xmlns:a="http://schemas.openxmlformats.org/drawingml/2006/main" xmlns:p="http://schemas.openxmlformats.org/presentationml/2006/main" xmlns:r="http://schemas.openxmlformats.org/officeDocument/2006/relationships" type="twoObjOverTx" preserve="1">
   <p:cSld name="Title, 2 Content over Content">
     <p:spTree>
       <p:nvGrpSpPr>
@@ -2846,17 +2247,7 @@
           <a:bodyPr lIns="0" rIns="0" tIns="0" bIns="0" anchor="ctr"/>
           <a:p>
             <a:pPr algn="ctr"/>
-            <a:endParaRPr b="0" lang="en-GB" sz="4400" spc="-1" strike="noStrike">
-              <a:solidFill>
-                <a:srgbClr val="000000"/>
-              </a:solidFill>
-              <a:uFill>
-                <a:solidFill>
-                  <a:srgbClr val="ffffff"/>
-                </a:solidFill>
-              </a:uFill>
-              <a:latin typeface="Arial"/>
-            </a:endParaRPr>
+            <a:endParaRPr/>
           </a:p>
         </p:txBody>
       </p:sp>
@@ -2882,17 +2273,7 @@
         <p:txBody>
           <a:bodyPr lIns="0" rIns="0" tIns="0" bIns="0"/>
           <a:p>
-            <a:endParaRPr b="0" lang="en-GB" sz="3200" spc="-1" strike="noStrike">
-              <a:solidFill>
-                <a:srgbClr val="000000"/>
-              </a:solidFill>
-              <a:uFill>
-                <a:solidFill>
-                  <a:srgbClr val="ffffff"/>
-                </a:solidFill>
-              </a:uFill>
-              <a:latin typeface="Arial"/>
-            </a:endParaRPr>
+            <a:endParaRPr/>
           </a:p>
         </p:txBody>
       </p:sp>
@@ -2918,17 +2299,7 @@
         <p:txBody>
           <a:bodyPr lIns="0" rIns="0" tIns="0" bIns="0"/>
           <a:p>
-            <a:endParaRPr b="0" lang="en-GB" sz="3200" spc="-1" strike="noStrike">
-              <a:solidFill>
-                <a:srgbClr val="000000"/>
-              </a:solidFill>
-              <a:uFill>
-                <a:solidFill>
-                  <a:srgbClr val="ffffff"/>
-                </a:solidFill>
-              </a:uFill>
-              <a:latin typeface="Arial"/>
-            </a:endParaRPr>
+            <a:endParaRPr/>
           </a:p>
         </p:txBody>
       </p:sp>
@@ -2954,17 +2325,7 @@
         <p:txBody>
           <a:bodyPr lIns="0" rIns="0" tIns="0" bIns="0"/>
           <a:p>
-            <a:endParaRPr b="0" lang="en-GB" sz="3200" spc="-1" strike="noStrike">
-              <a:solidFill>
-                <a:srgbClr val="000000"/>
-              </a:solidFill>
-              <a:uFill>
-                <a:solidFill>
-                  <a:srgbClr val="ffffff"/>
-                </a:solidFill>
-              </a:uFill>
-              <a:latin typeface="Arial"/>
-            </a:endParaRPr>
+            <a:endParaRPr/>
           </a:p>
         </p:txBody>
       </p:sp>
@@ -2974,7 +2335,7 @@
 </file>
 
 <file path=ppt/slideMasters/slideMaster1.xml><?xml version="1.0" encoding="utf-8"?>
-<p:sldMaster xmlns:a="http://schemas.openxmlformats.org/drawingml/2006/main" xmlns:p="http://schemas.openxmlformats.org/presentationml/2006/main" xmlns:r="http://schemas.openxmlformats.org/officeDocument/2006/relationships" xmlns:p14="http://schemas.microsoft.com/office/powerpoint/2010/main" xmlns:p15="http://schemas.microsoft.com/office/powerpoint/2012/main" xmlns:mc="http://schemas.openxmlformats.org/markup-compatibility/2006">
+<p:sldMaster xmlns:a="http://schemas.openxmlformats.org/drawingml/2006/main" xmlns:p="http://schemas.openxmlformats.org/presentationml/2006/main" xmlns:r="http://schemas.openxmlformats.org/officeDocument/2006/relationships">
   <p:cSld>
     <p:bg>
       <p:bgPr>
@@ -3006,7 +2367,7 @@
         <p:spPr>
           <a:xfrm>
             <a:off x="478080" y="360"/>
-            <a:ext cx="226080" cy="6855480"/>
+            <a:ext cx="225360" cy="6854760"/>
           </a:xfrm>
           <a:prstGeom prst="rect">
             <a:avLst/>
@@ -3042,13 +2403,13 @@
         <p:spPr>
           <a:xfrm>
             <a:off x="8151840" y="1685520"/>
-            <a:ext cx="3272400" cy="4406040"/>
+            <a:ext cx="3271680" cy="4405320"/>
           </a:xfrm>
           <a:custGeom>
             <a:avLst/>
             <a:gdLst/>
             <a:ahLst/>
-            <a:rect l="l" t="t" r="r" b="b"/>
+            <a:rect l="0" t="0" r="r" b="b"/>
             <a:pathLst>
               <a:path w="10001" h="10001">
                 <a:moveTo>
@@ -3097,14 +2458,14 @@
         </p:nvSpPr>
         <p:spPr>
           <a:xfrm flipH="1" flipV="1">
-            <a:off x="750600" y="741600"/>
-            <a:ext cx="3273120" cy="4406040"/>
+            <a:off x="749880" y="740880"/>
+            <a:ext cx="3272400" cy="4405320"/>
           </a:xfrm>
           <a:custGeom>
             <a:avLst/>
             <a:gdLst/>
             <a:ahLst/>
-            <a:rect l="l" t="t" r="r" b="b"/>
+            <a:rect l="0" t="0" r="r" b="b"/>
             <a:pathLst>
               <a:path w="10005" h="10001">
                 <a:moveTo>
@@ -3171,30 +2532,12 @@
           <a:p>
             <a:pPr algn="ctr"/>
             <a:r>
-              <a:rPr b="0" lang="en-GB" sz="4400" spc="-1" strike="noStrike">
-                <a:solidFill>
-                  <a:srgbClr val="000000"/>
-                </a:solidFill>
-                <a:uFill>
-                  <a:solidFill>
-                    <a:srgbClr val="ffffff"/>
-                  </a:solidFill>
-                </a:uFill>
+              <a:rPr lang="en-GB" sz="4400">
                 <a:latin typeface="Arial"/>
               </a:rPr>
               <a:t>Click to edit the title text format</a:t>
             </a:r>
-            <a:endParaRPr b="0" lang="en-GB" sz="4400" spc="-1" strike="noStrike">
-              <a:solidFill>
-                <a:srgbClr val="000000"/>
-              </a:solidFill>
-              <a:uFill>
-                <a:solidFill>
-                  <a:srgbClr val="ffffff"/>
-                </a:solidFill>
-              </a:uFill>
-              <a:latin typeface="Arial"/>
-            </a:endParaRPr>
+            <a:endParaRPr/>
           </a:p>
         </p:txBody>
       </p:sp>
@@ -3211,7 +2554,7 @@
         <p:spPr>
           <a:xfrm>
             <a:off x="609480" y="1604520"/>
-            <a:ext cx="10972440" cy="3976920"/>
+            <a:ext cx="10972440" cy="3977280"/>
           </a:xfrm>
           <a:prstGeom prst="rect">
             <a:avLst/>
@@ -3220,249 +2563,102 @@
         <p:txBody>
           <a:bodyPr lIns="0" rIns="0" tIns="0" bIns="0"/>
           <a:p>
-            <a:pPr marL="432000" indent="-324000">
-              <a:buClr>
-                <a:srgbClr val="000000"/>
-              </a:buClr>
+            <a:pPr>
               <a:buSzPct val="45000"/>
-              <a:buFont typeface="Wingdings" charset="2"/>
+              <a:buFont typeface="StarSymbol"/>
               <a:buChar char=""/>
             </a:pPr>
             <a:r>
-              <a:rPr b="0" lang="en-GB" sz="3200" spc="-1" strike="noStrike">
-                <a:solidFill>
-                  <a:srgbClr val="000000"/>
-                </a:solidFill>
-                <a:uFill>
-                  <a:solidFill>
-                    <a:srgbClr val="ffffff"/>
-                  </a:solidFill>
-                </a:uFill>
+              <a:rPr lang="en-GB" sz="3200">
                 <a:latin typeface="Arial"/>
               </a:rPr>
               <a:t>Click to edit the outline text format</a:t>
             </a:r>
-            <a:endParaRPr b="0" lang="en-GB" sz="3200" spc="-1" strike="noStrike">
-              <a:solidFill>
-                <a:srgbClr val="000000"/>
-              </a:solidFill>
-              <a:uFill>
-                <a:solidFill>
-                  <a:srgbClr val="ffffff"/>
-                </a:solidFill>
-              </a:uFill>
-              <a:latin typeface="Arial"/>
-            </a:endParaRPr>
-          </a:p>
-          <a:p>
-            <a:pPr lvl="1" marL="864000" indent="-324000">
-              <a:buClr>
-                <a:srgbClr val="000000"/>
-              </a:buClr>
+            <a:endParaRPr/>
+          </a:p>
+          <a:p>
+            <a:pPr lvl="1">
               <a:buSzPct val="75000"/>
-              <a:buFont typeface="Symbol" charset="2"/>
+              <a:buFont typeface="StarSymbol"/>
               <a:buChar char=""/>
             </a:pPr>
             <a:r>
-              <a:rPr b="0" lang="en-GB" sz="2800" spc="-1" strike="noStrike">
-                <a:solidFill>
-                  <a:srgbClr val="000000"/>
-                </a:solidFill>
-                <a:uFill>
-                  <a:solidFill>
-                    <a:srgbClr val="ffffff"/>
-                  </a:solidFill>
-                </a:uFill>
+              <a:rPr lang="en-GB" sz="2800">
                 <a:latin typeface="Arial"/>
               </a:rPr>
               <a:t>Second Outline Level</a:t>
             </a:r>
-            <a:endParaRPr b="0" lang="en-GB" sz="2800" spc="-1" strike="noStrike">
-              <a:solidFill>
-                <a:srgbClr val="000000"/>
-              </a:solidFill>
-              <a:uFill>
-                <a:solidFill>
-                  <a:srgbClr val="ffffff"/>
-                </a:solidFill>
-              </a:uFill>
-              <a:latin typeface="Arial"/>
-            </a:endParaRPr>
-          </a:p>
-          <a:p>
-            <a:pPr lvl="2" marL="1296000" indent="-288000">
-              <a:buClr>
-                <a:srgbClr val="000000"/>
-              </a:buClr>
+            <a:endParaRPr/>
+          </a:p>
+          <a:p>
+            <a:pPr lvl="2">
               <a:buSzPct val="45000"/>
-              <a:buFont typeface="Wingdings" charset="2"/>
+              <a:buFont typeface="StarSymbol"/>
               <a:buChar char=""/>
             </a:pPr>
             <a:r>
-              <a:rPr b="0" lang="en-GB" sz="2400" spc="-1" strike="noStrike">
-                <a:solidFill>
-                  <a:srgbClr val="000000"/>
-                </a:solidFill>
-                <a:uFill>
-                  <a:solidFill>
-                    <a:srgbClr val="ffffff"/>
-                  </a:solidFill>
-                </a:uFill>
+              <a:rPr lang="en-GB" sz="2400">
                 <a:latin typeface="Arial"/>
               </a:rPr>
               <a:t>Third Outline Level</a:t>
             </a:r>
-            <a:endParaRPr b="0" lang="en-GB" sz="2400" spc="-1" strike="noStrike">
-              <a:solidFill>
-                <a:srgbClr val="000000"/>
-              </a:solidFill>
-              <a:uFill>
-                <a:solidFill>
-                  <a:srgbClr val="ffffff"/>
-                </a:solidFill>
-              </a:uFill>
-              <a:latin typeface="Arial"/>
-            </a:endParaRPr>
-          </a:p>
-          <a:p>
-            <a:pPr lvl="3" marL="1728000" indent="-216000">
-              <a:buClr>
-                <a:srgbClr val="000000"/>
-              </a:buClr>
+            <a:endParaRPr/>
+          </a:p>
+          <a:p>
+            <a:pPr lvl="3">
               <a:buSzPct val="75000"/>
-              <a:buFont typeface="Symbol" charset="2"/>
+              <a:buFont typeface="StarSymbol"/>
               <a:buChar char=""/>
             </a:pPr>
             <a:r>
-              <a:rPr b="0" lang="en-GB" sz="2000" spc="-1" strike="noStrike">
-                <a:solidFill>
-                  <a:srgbClr val="000000"/>
-                </a:solidFill>
-                <a:uFill>
-                  <a:solidFill>
-                    <a:srgbClr val="ffffff"/>
-                  </a:solidFill>
-                </a:uFill>
+              <a:rPr lang="en-GB" sz="2000">
                 <a:latin typeface="Arial"/>
               </a:rPr>
               <a:t>Fourth Outline Level</a:t>
             </a:r>
-            <a:endParaRPr b="0" lang="en-GB" sz="2000" spc="-1" strike="noStrike">
-              <a:solidFill>
-                <a:srgbClr val="000000"/>
-              </a:solidFill>
-              <a:uFill>
-                <a:solidFill>
-                  <a:srgbClr val="ffffff"/>
-                </a:solidFill>
-              </a:uFill>
-              <a:latin typeface="Arial"/>
-            </a:endParaRPr>
-          </a:p>
-          <a:p>
-            <a:pPr lvl="4" marL="2160000" indent="-216000">
-              <a:buClr>
-                <a:srgbClr val="000000"/>
-              </a:buClr>
+            <a:endParaRPr/>
+          </a:p>
+          <a:p>
+            <a:pPr lvl="4">
               <a:buSzPct val="45000"/>
-              <a:buFont typeface="Wingdings" charset="2"/>
+              <a:buFont typeface="StarSymbol"/>
               <a:buChar char=""/>
             </a:pPr>
             <a:r>
-              <a:rPr b="0" lang="en-GB" sz="2000" spc="-1" strike="noStrike">
-                <a:solidFill>
-                  <a:srgbClr val="000000"/>
-                </a:solidFill>
-                <a:uFill>
-                  <a:solidFill>
-                    <a:srgbClr val="ffffff"/>
-                  </a:solidFill>
-                </a:uFill>
+              <a:rPr lang="en-GB" sz="2000">
                 <a:latin typeface="Arial"/>
               </a:rPr>
               <a:t>Fifth Outline Level</a:t>
             </a:r>
-            <a:endParaRPr b="0" lang="en-GB" sz="2000" spc="-1" strike="noStrike">
-              <a:solidFill>
-                <a:srgbClr val="000000"/>
-              </a:solidFill>
-              <a:uFill>
-                <a:solidFill>
-                  <a:srgbClr val="ffffff"/>
-                </a:solidFill>
-              </a:uFill>
-              <a:latin typeface="Arial"/>
-            </a:endParaRPr>
-          </a:p>
-          <a:p>
-            <a:pPr lvl="5" marL="2592000" indent="-216000">
-              <a:buClr>
-                <a:srgbClr val="000000"/>
-              </a:buClr>
+            <a:endParaRPr/>
+          </a:p>
+          <a:p>
+            <a:pPr lvl="5">
               <a:buSzPct val="45000"/>
-              <a:buFont typeface="Wingdings" charset="2"/>
+              <a:buFont typeface="StarSymbol"/>
               <a:buChar char=""/>
             </a:pPr>
             <a:r>
-              <a:rPr b="0" lang="en-GB" sz="2000" spc="-1" strike="noStrike">
-                <a:solidFill>
-                  <a:srgbClr val="000000"/>
-                </a:solidFill>
-                <a:uFill>
-                  <a:solidFill>
-                    <a:srgbClr val="ffffff"/>
-                  </a:solidFill>
-                </a:uFill>
+              <a:rPr lang="en-GB" sz="2000">
                 <a:latin typeface="Arial"/>
               </a:rPr>
               <a:t>Sixth Outline Level</a:t>
             </a:r>
-            <a:endParaRPr b="0" lang="en-GB" sz="2000" spc="-1" strike="noStrike">
-              <a:solidFill>
-                <a:srgbClr val="000000"/>
-              </a:solidFill>
-              <a:uFill>
-                <a:solidFill>
-                  <a:srgbClr val="ffffff"/>
-                </a:solidFill>
-              </a:uFill>
-              <a:latin typeface="Arial"/>
-            </a:endParaRPr>
-          </a:p>
-          <a:p>
-            <a:pPr lvl="6" marL="3024000" indent="-216000">
-              <a:buClr>
-                <a:srgbClr val="000000"/>
-              </a:buClr>
+            <a:endParaRPr/>
+          </a:p>
+          <a:p>
+            <a:pPr lvl="6">
               <a:buSzPct val="45000"/>
-              <a:buFont typeface="Wingdings" charset="2"/>
+              <a:buFont typeface="StarSymbol"/>
               <a:buChar char=""/>
             </a:pPr>
             <a:r>
-              <a:rPr b="0" lang="en-GB" sz="2000" spc="-1" strike="noStrike">
-                <a:solidFill>
-                  <a:srgbClr val="000000"/>
-                </a:solidFill>
-                <a:uFill>
-                  <a:solidFill>
-                    <a:srgbClr val="ffffff"/>
-                  </a:solidFill>
-                </a:uFill>
+              <a:rPr lang="en-GB" sz="2000">
                 <a:latin typeface="Arial"/>
               </a:rPr>
               <a:t>Seventh Outline Level</a:t>
             </a:r>
-            <a:endParaRPr b="0" lang="en-GB" sz="2000" spc="-1" strike="noStrike">
-              <a:solidFill>
-                <a:srgbClr val="000000"/>
-              </a:solidFill>
-              <a:uFill>
-                <a:solidFill>
-                  <a:srgbClr val="ffffff"/>
-                </a:solidFill>
-              </a:uFill>
-              <a:latin typeface="Arial"/>
-            </a:endParaRPr>
+            <a:endParaRPr/>
           </a:p>
         </p:txBody>
       </p:sp>
@@ -3487,7 +2683,7 @@
 </file>
 
 <file path=ppt/slideMasters/slideMaster2.xml><?xml version="1.0" encoding="utf-8"?>
-<p:sldMaster xmlns:a="http://schemas.openxmlformats.org/drawingml/2006/main" xmlns:p="http://schemas.openxmlformats.org/presentationml/2006/main" xmlns:r="http://schemas.openxmlformats.org/officeDocument/2006/relationships" xmlns:p14="http://schemas.microsoft.com/office/powerpoint/2010/main" xmlns:p15="http://schemas.microsoft.com/office/powerpoint/2012/main" xmlns:mc="http://schemas.openxmlformats.org/markup-compatibility/2006">
+<p:sldMaster xmlns:a="http://schemas.openxmlformats.org/drawingml/2006/main" xmlns:p="http://schemas.openxmlformats.org/presentationml/2006/main" xmlns:r="http://schemas.openxmlformats.org/officeDocument/2006/relationships">
   <p:cSld>
     <p:bg>
       <p:bgPr>
@@ -3519,7 +2715,7 @@
         <p:spPr>
           <a:xfrm>
             <a:off x="478080" y="360"/>
-            <a:ext cx="226080" cy="6855480"/>
+            <a:ext cx="225360" cy="6854760"/>
           </a:xfrm>
           <a:prstGeom prst="rect">
             <a:avLst/>
@@ -3570,30 +2766,12 @@
           <a:p>
             <a:pPr algn="ctr"/>
             <a:r>
-              <a:rPr b="0" lang="en-GB" sz="4400" spc="-1" strike="noStrike">
-                <a:solidFill>
-                  <a:srgbClr val="000000"/>
-                </a:solidFill>
-                <a:uFill>
-                  <a:solidFill>
-                    <a:srgbClr val="ffffff"/>
-                  </a:solidFill>
-                </a:uFill>
+              <a:rPr lang="en-GB" sz="4400">
                 <a:latin typeface="Arial"/>
               </a:rPr>
               <a:t>Click to edit the title text format</a:t>
             </a:r>
-            <a:endParaRPr b="0" lang="en-GB" sz="4400" spc="-1" strike="noStrike">
-              <a:solidFill>
-                <a:srgbClr val="000000"/>
-              </a:solidFill>
-              <a:uFill>
-                <a:solidFill>
-                  <a:srgbClr val="ffffff"/>
-                </a:solidFill>
-              </a:uFill>
-              <a:latin typeface="Arial"/>
-            </a:endParaRPr>
+            <a:endParaRPr/>
           </a:p>
         </p:txBody>
       </p:sp>
@@ -3610,7 +2788,7 @@
         <p:spPr>
           <a:xfrm>
             <a:off x="609480" y="1604520"/>
-            <a:ext cx="10972440" cy="3976920"/>
+            <a:ext cx="10972440" cy="3977280"/>
           </a:xfrm>
           <a:prstGeom prst="rect">
             <a:avLst/>
@@ -3619,249 +2797,102 @@
         <p:txBody>
           <a:bodyPr lIns="0" rIns="0" tIns="0" bIns="0"/>
           <a:p>
-            <a:pPr marL="432000" indent="-324000">
-              <a:buClr>
-                <a:srgbClr val="000000"/>
-              </a:buClr>
+            <a:pPr>
               <a:buSzPct val="45000"/>
-              <a:buFont typeface="Wingdings" charset="2"/>
+              <a:buFont typeface="StarSymbol"/>
               <a:buChar char=""/>
             </a:pPr>
             <a:r>
-              <a:rPr b="0" lang="en-GB" sz="3200" spc="-1" strike="noStrike">
-                <a:solidFill>
-                  <a:srgbClr val="000000"/>
-                </a:solidFill>
-                <a:uFill>
-                  <a:solidFill>
-                    <a:srgbClr val="ffffff"/>
-                  </a:solidFill>
-                </a:uFill>
+              <a:rPr lang="en-GB" sz="3200">
                 <a:latin typeface="Arial"/>
               </a:rPr>
               <a:t>Click to edit the outline text format</a:t>
             </a:r>
-            <a:endParaRPr b="0" lang="en-GB" sz="3200" spc="-1" strike="noStrike">
-              <a:solidFill>
-                <a:srgbClr val="000000"/>
-              </a:solidFill>
-              <a:uFill>
-                <a:solidFill>
-                  <a:srgbClr val="ffffff"/>
-                </a:solidFill>
-              </a:uFill>
-              <a:latin typeface="Arial"/>
-            </a:endParaRPr>
-          </a:p>
-          <a:p>
-            <a:pPr lvl="1" marL="864000" indent="-324000">
-              <a:buClr>
-                <a:srgbClr val="000000"/>
-              </a:buClr>
+            <a:endParaRPr/>
+          </a:p>
+          <a:p>
+            <a:pPr lvl="1">
               <a:buSzPct val="75000"/>
-              <a:buFont typeface="Symbol" charset="2"/>
+              <a:buFont typeface="StarSymbol"/>
               <a:buChar char=""/>
             </a:pPr>
             <a:r>
-              <a:rPr b="0" lang="en-GB" sz="2800" spc="-1" strike="noStrike">
-                <a:solidFill>
-                  <a:srgbClr val="000000"/>
-                </a:solidFill>
-                <a:uFill>
-                  <a:solidFill>
-                    <a:srgbClr val="ffffff"/>
-                  </a:solidFill>
-                </a:uFill>
+              <a:rPr lang="en-GB" sz="2800">
                 <a:latin typeface="Arial"/>
               </a:rPr>
               <a:t>Second Outline Level</a:t>
             </a:r>
-            <a:endParaRPr b="0" lang="en-GB" sz="2800" spc="-1" strike="noStrike">
-              <a:solidFill>
-                <a:srgbClr val="000000"/>
-              </a:solidFill>
-              <a:uFill>
-                <a:solidFill>
-                  <a:srgbClr val="ffffff"/>
-                </a:solidFill>
-              </a:uFill>
-              <a:latin typeface="Arial"/>
-            </a:endParaRPr>
-          </a:p>
-          <a:p>
-            <a:pPr lvl="2" marL="1296000" indent="-288000">
-              <a:buClr>
-                <a:srgbClr val="000000"/>
-              </a:buClr>
+            <a:endParaRPr/>
+          </a:p>
+          <a:p>
+            <a:pPr lvl="2">
               <a:buSzPct val="45000"/>
-              <a:buFont typeface="Wingdings" charset="2"/>
+              <a:buFont typeface="StarSymbol"/>
               <a:buChar char=""/>
             </a:pPr>
             <a:r>
-              <a:rPr b="0" lang="en-GB" sz="2400" spc="-1" strike="noStrike">
-                <a:solidFill>
-                  <a:srgbClr val="000000"/>
-                </a:solidFill>
-                <a:uFill>
-                  <a:solidFill>
-                    <a:srgbClr val="ffffff"/>
-                  </a:solidFill>
-                </a:uFill>
+              <a:rPr lang="en-GB" sz="2400">
                 <a:latin typeface="Arial"/>
               </a:rPr>
               <a:t>Third Outline Level</a:t>
             </a:r>
-            <a:endParaRPr b="0" lang="en-GB" sz="2400" spc="-1" strike="noStrike">
-              <a:solidFill>
-                <a:srgbClr val="000000"/>
-              </a:solidFill>
-              <a:uFill>
-                <a:solidFill>
-                  <a:srgbClr val="ffffff"/>
-                </a:solidFill>
-              </a:uFill>
-              <a:latin typeface="Arial"/>
-            </a:endParaRPr>
-          </a:p>
-          <a:p>
-            <a:pPr lvl="3" marL="1728000" indent="-216000">
-              <a:buClr>
-                <a:srgbClr val="000000"/>
-              </a:buClr>
+            <a:endParaRPr/>
+          </a:p>
+          <a:p>
+            <a:pPr lvl="3">
               <a:buSzPct val="75000"/>
-              <a:buFont typeface="Symbol" charset="2"/>
+              <a:buFont typeface="StarSymbol"/>
               <a:buChar char=""/>
             </a:pPr>
             <a:r>
-              <a:rPr b="0" lang="en-GB" sz="2000" spc="-1" strike="noStrike">
-                <a:solidFill>
-                  <a:srgbClr val="000000"/>
-                </a:solidFill>
-                <a:uFill>
-                  <a:solidFill>
-                    <a:srgbClr val="ffffff"/>
-                  </a:solidFill>
-                </a:uFill>
+              <a:rPr lang="en-GB" sz="2000">
                 <a:latin typeface="Arial"/>
               </a:rPr>
               <a:t>Fourth Outline Level</a:t>
             </a:r>
-            <a:endParaRPr b="0" lang="en-GB" sz="2000" spc="-1" strike="noStrike">
-              <a:solidFill>
-                <a:srgbClr val="000000"/>
-              </a:solidFill>
-              <a:uFill>
-                <a:solidFill>
-                  <a:srgbClr val="ffffff"/>
-                </a:solidFill>
-              </a:uFill>
-              <a:latin typeface="Arial"/>
-            </a:endParaRPr>
-          </a:p>
-          <a:p>
-            <a:pPr lvl="4" marL="2160000" indent="-216000">
-              <a:buClr>
-                <a:srgbClr val="000000"/>
-              </a:buClr>
+            <a:endParaRPr/>
+          </a:p>
+          <a:p>
+            <a:pPr lvl="4">
               <a:buSzPct val="45000"/>
-              <a:buFont typeface="Wingdings" charset="2"/>
+              <a:buFont typeface="StarSymbol"/>
               <a:buChar char=""/>
             </a:pPr>
             <a:r>
-              <a:rPr b="0" lang="en-GB" sz="2000" spc="-1" strike="noStrike">
-                <a:solidFill>
-                  <a:srgbClr val="000000"/>
-                </a:solidFill>
-                <a:uFill>
-                  <a:solidFill>
-                    <a:srgbClr val="ffffff"/>
-                  </a:solidFill>
-                </a:uFill>
+              <a:rPr lang="en-GB" sz="2000">
                 <a:latin typeface="Arial"/>
               </a:rPr>
               <a:t>Fifth Outline Level</a:t>
             </a:r>
-            <a:endParaRPr b="0" lang="en-GB" sz="2000" spc="-1" strike="noStrike">
-              <a:solidFill>
-                <a:srgbClr val="000000"/>
-              </a:solidFill>
-              <a:uFill>
-                <a:solidFill>
-                  <a:srgbClr val="ffffff"/>
-                </a:solidFill>
-              </a:uFill>
-              <a:latin typeface="Arial"/>
-            </a:endParaRPr>
-          </a:p>
-          <a:p>
-            <a:pPr lvl="5" marL="2592000" indent="-216000">
-              <a:buClr>
-                <a:srgbClr val="000000"/>
-              </a:buClr>
+            <a:endParaRPr/>
+          </a:p>
+          <a:p>
+            <a:pPr lvl="5">
               <a:buSzPct val="45000"/>
-              <a:buFont typeface="Wingdings" charset="2"/>
+              <a:buFont typeface="StarSymbol"/>
               <a:buChar char=""/>
             </a:pPr>
             <a:r>
-              <a:rPr b="0" lang="en-GB" sz="2000" spc="-1" strike="noStrike">
-                <a:solidFill>
-                  <a:srgbClr val="000000"/>
-                </a:solidFill>
-                <a:uFill>
-                  <a:solidFill>
-                    <a:srgbClr val="ffffff"/>
-                  </a:solidFill>
-                </a:uFill>
+              <a:rPr lang="en-GB" sz="2000">
                 <a:latin typeface="Arial"/>
               </a:rPr>
               <a:t>Sixth Outline Level</a:t>
             </a:r>
-            <a:endParaRPr b="0" lang="en-GB" sz="2000" spc="-1" strike="noStrike">
-              <a:solidFill>
-                <a:srgbClr val="000000"/>
-              </a:solidFill>
-              <a:uFill>
-                <a:solidFill>
-                  <a:srgbClr val="ffffff"/>
-                </a:solidFill>
-              </a:uFill>
-              <a:latin typeface="Arial"/>
-            </a:endParaRPr>
-          </a:p>
-          <a:p>
-            <a:pPr lvl="6" marL="3024000" indent="-216000">
-              <a:buClr>
-                <a:srgbClr val="000000"/>
-              </a:buClr>
+            <a:endParaRPr/>
+          </a:p>
+          <a:p>
+            <a:pPr lvl="6">
               <a:buSzPct val="45000"/>
-              <a:buFont typeface="Wingdings" charset="2"/>
+              <a:buFont typeface="StarSymbol"/>
               <a:buChar char=""/>
             </a:pPr>
             <a:r>
-              <a:rPr b="0" lang="en-GB" sz="2000" spc="-1" strike="noStrike">
-                <a:solidFill>
-                  <a:srgbClr val="000000"/>
-                </a:solidFill>
-                <a:uFill>
-                  <a:solidFill>
-                    <a:srgbClr val="ffffff"/>
-                  </a:solidFill>
-                </a:uFill>
+              <a:rPr lang="en-GB" sz="2000">
                 <a:latin typeface="Arial"/>
               </a:rPr>
               <a:t>Seventh Outline Level</a:t>
             </a:r>
-            <a:endParaRPr b="0" lang="en-GB" sz="2000" spc="-1" strike="noStrike">
-              <a:solidFill>
-                <a:srgbClr val="000000"/>
-              </a:solidFill>
-              <a:uFill>
-                <a:solidFill>
-                  <a:srgbClr val="ffffff"/>
-                </a:solidFill>
-              </a:uFill>
-              <a:latin typeface="Arial"/>
-            </a:endParaRPr>
+            <a:endParaRPr/>
           </a:p>
         </p:txBody>
       </p:sp>
@@ -3886,7 +2917,7 @@
 </file>
 
 <file path=ppt/slides/slide1.xml><?xml version="1.0" encoding="utf-8"?>
-<p:sld xmlns:a="http://schemas.openxmlformats.org/drawingml/2006/main" xmlns:p="http://schemas.openxmlformats.org/presentationml/2006/main" xmlns:r="http://schemas.openxmlformats.org/officeDocument/2006/relationships" xmlns:p14="http://schemas.microsoft.com/office/powerpoint/2010/main" xmlns:p15="http://schemas.microsoft.com/office/powerpoint/2012/main" xmlns:mc="http://schemas.openxmlformats.org/markup-compatibility/2006">
+<p:sld xmlns:a="http://schemas.openxmlformats.org/drawingml/2006/main" xmlns:p="http://schemas.openxmlformats.org/presentationml/2006/main" xmlns:r="http://schemas.openxmlformats.org/officeDocument/2006/relationships">
   <p:cSld>
     <p:spTree>
       <p:nvGrpSpPr>
@@ -3911,7 +2942,7 @@
         <p:spPr>
           <a:xfrm>
             <a:off x="6552000" y="3240000"/>
-            <a:ext cx="3453840" cy="941400"/>
+            <a:ext cx="3453120" cy="940680"/>
           </a:xfrm>
           <a:prstGeom prst="rect">
             <a:avLst/>
@@ -3936,31 +2967,16 @@
               </a:lnSpc>
             </a:pPr>
             <a:r>
-              <a:rPr b="0" lang="en-GB" sz="2800" spc="-1" strike="noStrike">
+              <a:rPr lang="en-GB" sz="2800" strike="noStrike">
                 <a:solidFill>
                   <a:srgbClr val="000000"/>
                 </a:solidFill>
-                <a:uFill>
-                  <a:solidFill>
-                    <a:srgbClr val="ffffff"/>
-                  </a:solidFill>
-                </a:uFill>
                 <a:latin typeface="Franklin Gothic Book"/>
                 <a:ea typeface="DejaVu Sans"/>
               </a:rPr>
               <a:t>Session 6</a:t>
             </a:r>
-            <a:endParaRPr b="0" lang="en-GB" sz="1800" spc="-1" strike="noStrike">
-              <a:solidFill>
-                <a:srgbClr val="000000"/>
-              </a:solidFill>
-              <a:uFill>
-                <a:solidFill>
-                  <a:srgbClr val="ffffff"/>
-                </a:solidFill>
-              </a:uFill>
-              <a:latin typeface="Arial"/>
-            </a:endParaRPr>
+            <a:endParaRPr/>
           </a:p>
           <a:p>
             <a:pPr algn="ctr">
@@ -3969,31 +2985,16 @@
               </a:lnSpc>
             </a:pPr>
             <a:r>
-              <a:rPr b="0" lang="en-GB" sz="2800" spc="-1" strike="noStrike">
+              <a:rPr lang="en-GB" sz="2800" strike="noStrike">
                 <a:solidFill>
                   <a:srgbClr val="000000"/>
                 </a:solidFill>
-                <a:uFill>
-                  <a:solidFill>
-                    <a:srgbClr val="ffffff"/>
-                  </a:solidFill>
-                </a:uFill>
                 <a:latin typeface="Franklin Gothic Book"/>
                 <a:ea typeface="DejaVu Sans"/>
               </a:rPr>
               <a:t>10 November 2018</a:t>
             </a:r>
-            <a:endParaRPr b="0" lang="en-GB" sz="1800" spc="-1" strike="noStrike">
-              <a:solidFill>
-                <a:srgbClr val="000000"/>
-              </a:solidFill>
-              <a:uFill>
-                <a:solidFill>
-                  <a:srgbClr val="ffffff"/>
-                </a:solidFill>
-              </a:uFill>
-              <a:latin typeface="Arial"/>
-            </a:endParaRPr>
+            <a:endParaRPr/>
           </a:p>
         </p:txBody>
       </p:sp>
@@ -4010,7 +3011,7 @@
         <p:spPr>
           <a:xfrm>
             <a:off x="2059920" y="1296000"/>
-            <a:ext cx="4200840" cy="4244760"/>
+            <a:ext cx="4200120" cy="4244040"/>
           </a:xfrm>
           <a:prstGeom prst="rect">
             <a:avLst/>
@@ -4053,7 +3054,7 @@
 </file>
 
 <file path=ppt/slides/slide10.xml><?xml version="1.0" encoding="utf-8"?>
-<p:sld xmlns:a="http://schemas.openxmlformats.org/drawingml/2006/main" xmlns:p="http://schemas.openxmlformats.org/presentationml/2006/main" xmlns:r="http://schemas.openxmlformats.org/officeDocument/2006/relationships" xmlns:p14="http://schemas.microsoft.com/office/powerpoint/2010/main" xmlns:p15="http://schemas.microsoft.com/office/powerpoint/2012/main" xmlns:mc="http://schemas.openxmlformats.org/markup-compatibility/2006">
+<p:sld xmlns:a="http://schemas.openxmlformats.org/drawingml/2006/main" xmlns:p="http://schemas.openxmlformats.org/presentationml/2006/main" xmlns:r="http://schemas.openxmlformats.org/officeDocument/2006/relationships">
   <p:cSld>
     <p:spTree>
       <p:nvGrpSpPr>
@@ -4078,7 +3079,7 @@
         <p:spPr>
           <a:xfrm>
             <a:off x="1371600" y="685800"/>
-            <a:ext cx="9598680" cy="1483560"/>
+            <a:ext cx="9597960" cy="1482840"/>
           </a:xfrm>
           <a:prstGeom prst="rect">
             <a:avLst/>
@@ -4103,31 +3104,16 @@
               </a:lnSpc>
             </a:pPr>
             <a:r>
-              <a:rPr b="0" lang="en-GB" sz="4400" spc="-1" strike="noStrike">
+              <a:rPr lang="en-GB" sz="4400" strike="noStrike">
                 <a:solidFill>
                   <a:srgbClr val="191b0e"/>
                 </a:solidFill>
-                <a:uFill>
-                  <a:solidFill>
-                    <a:srgbClr val="ffffff"/>
-                  </a:solidFill>
-                </a:uFill>
                 <a:latin typeface="Franklin Gothic Book"/>
                 <a:ea typeface="DejaVu Sans"/>
               </a:rPr>
               <a:t>This Week Session Challenges (HTML)</a:t>
             </a:r>
-            <a:endParaRPr b="0" lang="en-GB" sz="1800" spc="-1" strike="noStrike">
-              <a:solidFill>
-                <a:srgbClr val="000000"/>
-              </a:solidFill>
-              <a:uFill>
-                <a:solidFill>
-                  <a:srgbClr val="ffffff"/>
-                </a:solidFill>
-              </a:uFill>
-              <a:latin typeface="Arial"/>
-            </a:endParaRPr>
+            <a:endParaRPr/>
           </a:p>
         </p:txBody>
       </p:sp>
@@ -4140,7 +3126,7 @@
         <p:spPr>
           <a:xfrm>
             <a:off x="921240" y="2016000"/>
-            <a:ext cx="10956600" cy="3891600"/>
+            <a:ext cx="10955880" cy="3890880"/>
           </a:xfrm>
           <a:prstGeom prst="rect">
             <a:avLst/>
@@ -4165,31 +3151,16 @@
               </a:lnSpc>
             </a:pPr>
             <a:r>
-              <a:rPr b="0" lang="en-GB" sz="3600" spc="-1" strike="noStrike">
+              <a:rPr lang="en-GB" sz="3600" strike="noStrike">
                 <a:solidFill>
                   <a:srgbClr val="191b0e"/>
                 </a:solidFill>
-                <a:uFill>
-                  <a:solidFill>
-                    <a:srgbClr val="ffffff"/>
-                  </a:solidFill>
-                </a:uFill>
                 <a:latin typeface="Franklin Gothic Book"/>
                 <a:ea typeface="DejaVu Sans"/>
               </a:rPr>
               <a:t>HTML / CSS:</a:t>
             </a:r>
-            <a:endParaRPr b="0" lang="en-GB" sz="1800" spc="-1" strike="noStrike">
-              <a:solidFill>
-                <a:srgbClr val="000000"/>
-              </a:solidFill>
-              <a:uFill>
-                <a:solidFill>
-                  <a:srgbClr val="ffffff"/>
-                </a:solidFill>
-              </a:uFill>
-              <a:latin typeface="Arial"/>
-            </a:endParaRPr>
+            <a:endParaRPr/>
           </a:p>
           <a:p>
             <a:pPr>
@@ -4198,31 +3169,16 @@
               </a:lnSpc>
             </a:pPr>
             <a:r>
-              <a:rPr b="0" lang="en-GB" sz="3600" spc="-1" strike="noStrike">
+              <a:rPr lang="en-GB" sz="3600" strike="noStrike">
                 <a:solidFill>
                   <a:srgbClr val="191b0e"/>
                 </a:solidFill>
-                <a:uFill>
-                  <a:solidFill>
-                    <a:srgbClr val="ffffff"/>
-                  </a:solidFill>
-                </a:uFill>
                 <a:latin typeface="Franklin Gothic Book"/>
                 <a:ea typeface="DejaVu Sans"/>
               </a:rPr>
               <a:t>1. Can you embed a Scratch project in a web page?</a:t>
             </a:r>
-            <a:endParaRPr b="0" lang="en-GB" sz="1800" spc="-1" strike="noStrike">
-              <a:solidFill>
-                <a:srgbClr val="000000"/>
-              </a:solidFill>
-              <a:uFill>
-                <a:solidFill>
-                  <a:srgbClr val="ffffff"/>
-                </a:solidFill>
-              </a:uFill>
-              <a:latin typeface="Arial"/>
-            </a:endParaRPr>
+            <a:endParaRPr/>
           </a:p>
           <a:p>
             <a:pPr>
@@ -4231,31 +3187,16 @@
               </a:lnSpc>
             </a:pPr>
             <a:r>
-              <a:rPr b="0" lang="en-GB" sz="3600" spc="-1" strike="noStrike">
+              <a:rPr lang="en-GB" sz="3600" strike="noStrike">
                 <a:solidFill>
                   <a:srgbClr val="191b0e"/>
                 </a:solidFill>
-                <a:uFill>
-                  <a:solidFill>
-                    <a:srgbClr val="ffffff"/>
-                  </a:solidFill>
-                </a:uFill>
                 <a:latin typeface="Franklin Gothic Book"/>
                 <a:ea typeface="DejaVu Sans"/>
               </a:rPr>
               <a:t>2. Create a web page to showcase any Scratch projects you might have saved. How might you lay it out? </a:t>
             </a:r>
-            <a:endParaRPr b="0" lang="en-GB" sz="1800" spc="-1" strike="noStrike">
-              <a:solidFill>
-                <a:srgbClr val="000000"/>
-              </a:solidFill>
-              <a:uFill>
-                <a:solidFill>
-                  <a:srgbClr val="ffffff"/>
-                </a:solidFill>
-              </a:uFill>
-              <a:latin typeface="Arial"/>
-            </a:endParaRPr>
+            <a:endParaRPr/>
           </a:p>
         </p:txBody>
       </p:sp>
@@ -4292,7 +3233,7 @@
 </file>
 
 <file path=ppt/slides/slide11.xml><?xml version="1.0" encoding="utf-8"?>
-<p:sld xmlns:a="http://schemas.openxmlformats.org/drawingml/2006/main" xmlns:p="http://schemas.openxmlformats.org/presentationml/2006/main" xmlns:r="http://schemas.openxmlformats.org/officeDocument/2006/relationships" xmlns:p14="http://schemas.microsoft.com/office/powerpoint/2010/main" xmlns:p15="http://schemas.microsoft.com/office/powerpoint/2012/main" xmlns:mc="http://schemas.openxmlformats.org/markup-compatibility/2006">
+<p:sld xmlns:a="http://schemas.openxmlformats.org/drawingml/2006/main" xmlns:p="http://schemas.openxmlformats.org/presentationml/2006/main" xmlns:r="http://schemas.openxmlformats.org/officeDocument/2006/relationships">
   <p:cSld>
     <p:spTree>
       <p:nvGrpSpPr>
@@ -4317,7 +3258,7 @@
         <p:spPr>
           <a:xfrm>
             <a:off x="1371600" y="685800"/>
-            <a:ext cx="9598680" cy="1483560"/>
+            <a:ext cx="9597960" cy="1482840"/>
           </a:xfrm>
           <a:prstGeom prst="rect">
             <a:avLst/>
@@ -4342,31 +3283,16 @@
               </a:lnSpc>
             </a:pPr>
             <a:r>
-              <a:rPr b="0" lang="en-GB" sz="4400" spc="-1" strike="noStrike">
+              <a:rPr lang="en-GB" sz="4400" strike="noStrike">
                 <a:solidFill>
                   <a:srgbClr val="191b0e"/>
                 </a:solidFill>
-                <a:uFill>
-                  <a:solidFill>
-                    <a:srgbClr val="ffffff"/>
-                  </a:solidFill>
-                </a:uFill>
                 <a:latin typeface="Franklin Gothic Book"/>
                 <a:ea typeface="DejaVu Sans"/>
               </a:rPr>
               <a:t>Brainstorm</a:t>
             </a:r>
-            <a:endParaRPr b="0" lang="en-GB" sz="1800" spc="-1" strike="noStrike">
-              <a:solidFill>
-                <a:srgbClr val="000000"/>
-              </a:solidFill>
-              <a:uFill>
-                <a:solidFill>
-                  <a:srgbClr val="ffffff"/>
-                </a:solidFill>
-              </a:uFill>
-              <a:latin typeface="Arial"/>
-            </a:endParaRPr>
+            <a:endParaRPr/>
           </a:p>
         </p:txBody>
       </p:sp>
@@ -4379,7 +3305,7 @@
         <p:spPr>
           <a:xfrm>
             <a:off x="4150800" y="905400"/>
-            <a:ext cx="822240" cy="240480"/>
+            <a:ext cx="821520" cy="239760"/>
           </a:xfrm>
           <a:prstGeom prst="rect">
             <a:avLst/>
@@ -4404,31 +3330,16 @@
               </a:lnSpc>
             </a:pPr>
             <a:r>
-              <a:rPr b="0" lang="en-GB" sz="1000" spc="-1" strike="noStrike">
+              <a:rPr lang="en-GB" sz="1000" strike="noStrike">
                 <a:solidFill>
                   <a:srgbClr val="000000"/>
                 </a:solidFill>
-                <a:uFill>
-                  <a:solidFill>
-                    <a:srgbClr val="ffffff"/>
-                  </a:solidFill>
-                </a:uFill>
                 <a:latin typeface="Franklin Gothic Book"/>
                 <a:ea typeface="DejaVu Sans"/>
               </a:rPr>
               <a:t>5-10 mins</a:t>
             </a:r>
-            <a:endParaRPr b="0" lang="en-GB" sz="1800" spc="-1" strike="noStrike">
-              <a:solidFill>
-                <a:srgbClr val="000000"/>
-              </a:solidFill>
-              <a:uFill>
-                <a:solidFill>
-                  <a:srgbClr val="ffffff"/>
-                </a:solidFill>
-              </a:uFill>
-              <a:latin typeface="Arial"/>
-            </a:endParaRPr>
+            <a:endParaRPr/>
           </a:p>
         </p:txBody>
       </p:sp>
@@ -4465,7 +3376,7 @@
 </file>
 
 <file path=ppt/slides/slide12.xml><?xml version="1.0" encoding="utf-8"?>
-<p:sld xmlns:a="http://schemas.openxmlformats.org/drawingml/2006/main" xmlns:p="http://schemas.openxmlformats.org/presentationml/2006/main" xmlns:r="http://schemas.openxmlformats.org/officeDocument/2006/relationships" xmlns:p14="http://schemas.microsoft.com/office/powerpoint/2010/main" xmlns:p15="http://schemas.microsoft.com/office/powerpoint/2012/main" xmlns:mc="http://schemas.openxmlformats.org/markup-compatibility/2006">
+<p:sld xmlns:a="http://schemas.openxmlformats.org/drawingml/2006/main" xmlns:p="http://schemas.openxmlformats.org/presentationml/2006/main" xmlns:r="http://schemas.openxmlformats.org/officeDocument/2006/relationships">
   <p:cSld>
     <p:spTree>
       <p:nvGrpSpPr>
@@ -4490,7 +3401,7 @@
         <p:spPr>
           <a:xfrm>
             <a:off x="1371600" y="685800"/>
-            <a:ext cx="9598680" cy="1483560"/>
+            <a:ext cx="9597960" cy="1482840"/>
           </a:xfrm>
           <a:prstGeom prst="rect">
             <a:avLst/>
@@ -4515,31 +3426,16 @@
               </a:lnSpc>
             </a:pPr>
             <a:r>
-              <a:rPr b="0" lang="en-GB" sz="4400" spc="-1" strike="noStrike">
+              <a:rPr lang="en-GB" sz="4400" strike="noStrike">
                 <a:solidFill>
                   <a:srgbClr val="191b0e"/>
                 </a:solidFill>
-                <a:uFill>
-                  <a:solidFill>
-                    <a:srgbClr val="ffffff"/>
-                  </a:solidFill>
-                </a:uFill>
                 <a:latin typeface="Franklin Gothic Book"/>
                 <a:ea typeface="DejaVu Sans"/>
               </a:rPr>
               <a:t>Get Coding</a:t>
             </a:r>
-            <a:endParaRPr b="0" lang="en-GB" sz="1800" spc="-1" strike="noStrike">
-              <a:solidFill>
-                <a:srgbClr val="000000"/>
-              </a:solidFill>
-              <a:uFill>
-                <a:solidFill>
-                  <a:srgbClr val="ffffff"/>
-                </a:solidFill>
-              </a:uFill>
-              <a:latin typeface="Arial"/>
-            </a:endParaRPr>
+            <a:endParaRPr/>
           </a:p>
         </p:txBody>
       </p:sp>
@@ -4552,7 +3448,7 @@
         <p:spPr>
           <a:xfrm>
             <a:off x="4150800" y="905400"/>
-            <a:ext cx="822240" cy="392040"/>
+            <a:ext cx="821520" cy="391320"/>
           </a:xfrm>
           <a:prstGeom prst="rect">
             <a:avLst/>
@@ -4577,31 +3473,16 @@
               </a:lnSpc>
             </a:pPr>
             <a:r>
-              <a:rPr b="0" lang="en-GB" sz="1000" spc="-1" strike="noStrike">
+              <a:rPr lang="en-GB" sz="1000" strike="noStrike">
                 <a:solidFill>
                   <a:srgbClr val="000000"/>
                 </a:solidFill>
-                <a:uFill>
-                  <a:solidFill>
-                    <a:srgbClr val="ffffff"/>
-                  </a:solidFill>
-                </a:uFill>
                 <a:latin typeface="Franklin Gothic Book"/>
                 <a:ea typeface="DejaVu Sans"/>
               </a:rPr>
               <a:t>45-60 mins</a:t>
             </a:r>
-            <a:endParaRPr b="0" lang="en-GB" sz="1800" spc="-1" strike="noStrike">
-              <a:solidFill>
-                <a:srgbClr val="000000"/>
-              </a:solidFill>
-              <a:uFill>
-                <a:solidFill>
-                  <a:srgbClr val="ffffff"/>
-                </a:solidFill>
-              </a:uFill>
-              <a:latin typeface="Arial"/>
-            </a:endParaRPr>
+            <a:endParaRPr/>
           </a:p>
         </p:txBody>
       </p:sp>
@@ -4617,8 +3498,8 @@
         </p:blipFill>
         <p:spPr>
           <a:xfrm>
-            <a:off x="1944000" y="1656000"/>
-            <a:ext cx="5759640" cy="4391640"/>
+            <a:off x="1512000" y="1772280"/>
+            <a:ext cx="2400120" cy="3771720"/>
           </a:xfrm>
           <a:prstGeom prst="rect">
             <a:avLst/>
@@ -4661,7 +3542,7 @@
 </file>
 
 <file path=ppt/slides/slide13.xml><?xml version="1.0" encoding="utf-8"?>
-<p:sld xmlns:a="http://schemas.openxmlformats.org/drawingml/2006/main" xmlns:p="http://schemas.openxmlformats.org/presentationml/2006/main" xmlns:r="http://schemas.openxmlformats.org/officeDocument/2006/relationships" xmlns:p14="http://schemas.microsoft.com/office/powerpoint/2010/main" xmlns:p15="http://schemas.microsoft.com/office/powerpoint/2012/main" xmlns:mc="http://schemas.openxmlformats.org/markup-compatibility/2006">
+<p:sld xmlns:a="http://schemas.openxmlformats.org/drawingml/2006/main" xmlns:p="http://schemas.openxmlformats.org/presentationml/2006/main" xmlns:r="http://schemas.openxmlformats.org/officeDocument/2006/relationships">
   <p:cSld>
     <p:spTree>
       <p:nvGrpSpPr>
@@ -4686,7 +3567,7 @@
         <p:spPr>
           <a:xfrm>
             <a:off x="1371600" y="685800"/>
-            <a:ext cx="9598680" cy="1483560"/>
+            <a:ext cx="9597960" cy="1482840"/>
           </a:xfrm>
           <a:prstGeom prst="rect">
             <a:avLst/>
@@ -4711,31 +3592,16 @@
               </a:lnSpc>
             </a:pPr>
             <a:r>
-              <a:rPr b="0" lang="en-GB" sz="4400" spc="-1" strike="noStrike">
+              <a:rPr lang="en-GB" sz="4400" strike="noStrike">
                 <a:solidFill>
                   <a:srgbClr val="191b0e"/>
                 </a:solidFill>
-                <a:uFill>
-                  <a:solidFill>
-                    <a:srgbClr val="ffffff"/>
-                  </a:solidFill>
-                </a:uFill>
                 <a:latin typeface="Franklin Gothic Book"/>
                 <a:ea typeface="DejaVu Sans"/>
               </a:rPr>
               <a:t>Showtime</a:t>
             </a:r>
-            <a:endParaRPr b="0" lang="en-GB" sz="1800" spc="-1" strike="noStrike">
-              <a:solidFill>
-                <a:srgbClr val="000000"/>
-              </a:solidFill>
-              <a:uFill>
-                <a:solidFill>
-                  <a:srgbClr val="ffffff"/>
-                </a:solidFill>
-              </a:uFill>
-              <a:latin typeface="Arial"/>
-            </a:endParaRPr>
+            <a:endParaRPr/>
           </a:p>
         </p:txBody>
       </p:sp>
@@ -4771,8 +3637,8 @@
 </p:sld>
 </file>
 
-<file path=ppt/slides/slide2.xml><?xml version="1.0" encoding="utf-8"?>
-<p:sld xmlns:a="http://schemas.openxmlformats.org/drawingml/2006/main" xmlns:p="http://schemas.openxmlformats.org/presentationml/2006/main" xmlns:r="http://schemas.openxmlformats.org/officeDocument/2006/relationships" xmlns:p14="http://schemas.microsoft.com/office/powerpoint/2010/main" xmlns:p15="http://schemas.microsoft.com/office/powerpoint/2012/main" xmlns:mc="http://schemas.openxmlformats.org/markup-compatibility/2006">
+<file path=ppt/slides/slide14.xml><?xml version="1.0" encoding="utf-8"?>
+<p:sld xmlns:a="http://schemas.openxmlformats.org/drawingml/2006/main" xmlns:p="http://schemas.openxmlformats.org/presentationml/2006/main" xmlns:r="http://schemas.openxmlformats.org/officeDocument/2006/relationships">
   <p:cSld>
     <p:spTree>
       <p:nvGrpSpPr>
@@ -4788,16 +3654,39 @@
           <a:chExt cx="0" cy="0"/>
         </a:xfrm>
       </p:grpSpPr>
-      <p:sp>
-        <p:nvSpPr>
-          <p:cNvPr id="78" name="CustomShape 1"/>
+      <p:pic>
+        <p:nvPicPr>
+          <p:cNvPr id="102" name="" descr=""/>
+          <p:cNvPicPr/>
+          <p:nvPr/>
+        </p:nvPicPr>
+        <p:blipFill>
+          <a:blip r:embed="rId1"/>
+          <a:stretch/>
+        </p:blipFill>
+        <p:spPr>
+          <a:xfrm>
+            <a:off x="1584000" y="1728000"/>
+            <a:ext cx="3146400" cy="2155680"/>
+          </a:xfrm>
+          <a:prstGeom prst="rect">
+            <a:avLst/>
+          </a:prstGeom>
+          <a:ln>
+            <a:noFill/>
+          </a:ln>
+        </p:spPr>
+      </p:pic>
+      <p:sp>
+        <p:nvSpPr>
+          <p:cNvPr id="103" name="CustomShape 1"/>
           <p:cNvSpPr/>
           <p:nvPr/>
         </p:nvSpPr>
         <p:spPr>
           <a:xfrm>
-            <a:off x="1371600" y="685800"/>
-            <a:ext cx="9598680" cy="1483560"/>
+            <a:off x="1456560" y="648000"/>
+            <a:ext cx="6247080" cy="868320"/>
           </a:xfrm>
           <a:prstGeom prst="rect">
             <a:avLst/>
@@ -4822,44 +3711,78 @@
               </a:lnSpc>
             </a:pPr>
             <a:r>
-              <a:rPr b="0" lang="en-GB" sz="4400" spc="-1" strike="noStrike">
+              <a:rPr lang="en-GB" sz="4400" strike="noStrike">
                 <a:solidFill>
                   <a:srgbClr val="191b0e"/>
                 </a:solidFill>
-                <a:uFill>
-                  <a:solidFill>
-                    <a:srgbClr val="ffffff"/>
-                  </a:solidFill>
-                </a:uFill>
                 <a:latin typeface="Franklin Gothic Book"/>
                 <a:ea typeface="DejaVu Sans"/>
               </a:rPr>
-              <a:t>CoderDojo Session</a:t>
-            </a:r>
-            <a:endParaRPr b="0" lang="en-GB" sz="1800" spc="-1" strike="noStrike">
-              <a:solidFill>
-                <a:srgbClr val="000000"/>
-              </a:solidFill>
-              <a:uFill>
-                <a:solidFill>
-                  <a:srgbClr val="ffffff"/>
-                </a:solidFill>
-              </a:uFill>
-              <a:latin typeface="Arial"/>
-            </a:endParaRPr>
-          </a:p>
-        </p:txBody>
-      </p:sp>
-      <p:sp>
-        <p:nvSpPr>
-          <p:cNvPr id="79" name="CustomShape 2"/>
+              <a:t>Some additional help</a:t>
+            </a:r>
+            <a:endParaRPr/>
+          </a:p>
+        </p:txBody>
+      </p:sp>
+    </p:spTree>
+  </p:cSld>
+  <p:timing>
+    <p:tnLst>
+      <p:par>
+        <p:cTn id="27" dur="indefinite" restart="never" nodeType="tmRoot">
+          <p:childTnLst>
+            <p:seq>
+              <p:cTn id="28" nodeType="mainSeq"/>
+              <p:prevCondLst>
+                <p:cond delay="0" evt="onPrev">
+                  <p:tgtEl>
+                    <p:sldTgt/>
+                  </p:tgtEl>
+                </p:cond>
+              </p:prevCondLst>
+              <p:nextCondLst>
+                <p:cond delay="0" evt="onNext">
+                  <p:tgtEl>
+                    <p:sldTgt/>
+                  </p:tgtEl>
+                </p:cond>
+              </p:nextCondLst>
+            </p:seq>
+          </p:childTnLst>
+        </p:cTn>
+      </p:par>
+    </p:tnLst>
+  </p:timing>
+</p:sld>
+</file>
+
+<file path=ppt/slides/slide2.xml><?xml version="1.0" encoding="utf-8"?>
+<p:sld xmlns:a="http://schemas.openxmlformats.org/drawingml/2006/main" xmlns:p="http://schemas.openxmlformats.org/presentationml/2006/main" xmlns:r="http://schemas.openxmlformats.org/officeDocument/2006/relationships">
+  <p:cSld>
+    <p:spTree>
+      <p:nvGrpSpPr>
+        <p:cNvPr id="1" name=""/>
+        <p:cNvGrpSpPr/>
+        <p:nvPr/>
+      </p:nvGrpSpPr>
+      <p:grpSpPr>
+        <a:xfrm>
+          <a:off x="0" y="0"/>
+          <a:ext cx="0" cy="0"/>
+          <a:chOff x="0" y="0"/>
+          <a:chExt cx="0" cy="0"/>
+        </a:xfrm>
+      </p:grpSpPr>
+      <p:sp>
+        <p:nvSpPr>
+          <p:cNvPr id="78" name="CustomShape 1"/>
           <p:cNvSpPr/>
           <p:nvPr/>
         </p:nvSpPr>
         <p:spPr>
           <a:xfrm>
-            <a:off x="1371600" y="2286000"/>
-            <a:ext cx="9598680" cy="3578760"/>
+            <a:off x="1371600" y="685800"/>
+            <a:ext cx="9597960" cy="1482840"/>
           </a:xfrm>
           <a:prstGeom prst="rect">
             <a:avLst/>
@@ -4878,270 +3801,191 @@
         <p:txBody>
           <a:bodyPr lIns="90000" rIns="90000" tIns="45000" bIns="45000"/>
           <a:p>
-            <a:pPr marL="216000" indent="-216000">
+            <a:pPr>
+              <a:lnSpc>
+                <a:spcPct val="89000"/>
+              </a:lnSpc>
+            </a:pPr>
+            <a:r>
+              <a:rPr lang="en-GB" sz="4400" strike="noStrike">
+                <a:solidFill>
+                  <a:srgbClr val="191b0e"/>
+                </a:solidFill>
+                <a:latin typeface="Franklin Gothic Book"/>
+                <a:ea typeface="DejaVu Sans"/>
+              </a:rPr>
+              <a:t>CoderDojo Session</a:t>
+            </a:r>
+            <a:endParaRPr/>
+          </a:p>
+        </p:txBody>
+      </p:sp>
+      <p:sp>
+        <p:nvSpPr>
+          <p:cNvPr id="79" name="CustomShape 2"/>
+          <p:cNvSpPr/>
+          <p:nvPr/>
+        </p:nvSpPr>
+        <p:spPr>
+          <a:xfrm>
+            <a:off x="1371600" y="2286000"/>
+            <a:ext cx="9597960" cy="3578040"/>
+          </a:xfrm>
+          <a:prstGeom prst="rect">
+            <a:avLst/>
+          </a:prstGeom>
+          <a:noFill/>
+          <a:ln>
+            <a:noFill/>
+          </a:ln>
+        </p:spPr>
+        <p:style>
+          <a:lnRef idx="0"/>
+          <a:fillRef idx="0"/>
+          <a:effectRef idx="0"/>
+          <a:fontRef idx="minor"/>
+        </p:style>
+        <p:txBody>
+          <a:bodyPr lIns="90000" rIns="90000" tIns="45000" bIns="45000"/>
+          <a:p>
+            <a:pPr>
               <a:lnSpc>
                 <a:spcPct val="100000"/>
               </a:lnSpc>
-              <a:buClr>
-                <a:srgbClr val="191b0e"/>
-              </a:buClr>
               <a:buFont typeface="Franklin Gothic Book"/>
               <a:buAutoNum type="arabicPeriod"/>
             </a:pPr>
             <a:r>
-              <a:rPr b="0" lang="en-GB" sz="2800" spc="-1" strike="noStrike">
+              <a:rPr lang="en-GB" sz="2800" strike="noStrike">
                 <a:solidFill>
                   <a:srgbClr val="191b0e"/>
                 </a:solidFill>
-                <a:uFill>
-                  <a:solidFill>
-                    <a:srgbClr val="ffffff"/>
-                  </a:solidFill>
-                </a:uFill>
                 <a:latin typeface="Franklin Gothic Book"/>
                 <a:ea typeface="DejaVu Sans"/>
               </a:rPr>
               <a:t>Dojo updates</a:t>
             </a:r>
-            <a:endParaRPr b="0" lang="en-GB" sz="1800" spc="-1" strike="noStrike">
-              <a:solidFill>
-                <a:srgbClr val="000000"/>
-              </a:solidFill>
-              <a:uFill>
-                <a:solidFill>
-                  <a:srgbClr val="ffffff"/>
-                </a:solidFill>
-              </a:uFill>
-              <a:latin typeface="Arial"/>
-            </a:endParaRPr>
-          </a:p>
-          <a:p>
-            <a:pPr marL="216000" indent="-216000">
+            <a:endParaRPr/>
+          </a:p>
+          <a:p>
+            <a:pPr>
               <a:lnSpc>
                 <a:spcPct val="100000"/>
               </a:lnSpc>
-              <a:buClr>
-                <a:srgbClr val="191b0e"/>
-              </a:buClr>
               <a:buFont typeface="Franklin Gothic Book"/>
               <a:buAutoNum type="arabicPeriod"/>
             </a:pPr>
             <a:r>
-              <a:rPr b="0" lang="en-GB" sz="2800" spc="-1" strike="noStrike">
+              <a:rPr lang="en-GB" sz="2800" strike="noStrike">
                 <a:solidFill>
                   <a:srgbClr val="191b0e"/>
                 </a:solidFill>
-                <a:uFill>
-                  <a:solidFill>
-                    <a:srgbClr val="ffffff"/>
-                  </a:solidFill>
-                </a:uFill>
                 <a:latin typeface="Franklin Gothic Book"/>
                 <a:ea typeface="DejaVu Sans"/>
               </a:rPr>
               <a:t>Motto Recap</a:t>
             </a:r>
-            <a:endParaRPr b="0" lang="en-GB" sz="1800" spc="-1" strike="noStrike">
-              <a:solidFill>
-                <a:srgbClr val="000000"/>
-              </a:solidFill>
-              <a:uFill>
-                <a:solidFill>
-                  <a:srgbClr val="ffffff"/>
-                </a:solidFill>
-              </a:uFill>
-              <a:latin typeface="Arial"/>
-            </a:endParaRPr>
-          </a:p>
-          <a:p>
-            <a:pPr marL="216000" indent="-216000">
+            <a:endParaRPr/>
+          </a:p>
+          <a:p>
+            <a:pPr>
               <a:lnSpc>
                 <a:spcPct val="100000"/>
               </a:lnSpc>
-              <a:buClr>
-                <a:srgbClr val="191b0e"/>
-              </a:buClr>
               <a:buFont typeface="Franklin Gothic Book"/>
               <a:buAutoNum type="arabicPeriod"/>
             </a:pPr>
             <a:r>
-              <a:rPr b="0" lang="en-GB" sz="2800" spc="-1" strike="noStrike">
+              <a:rPr lang="en-GB" sz="2800" strike="noStrike">
                 <a:solidFill>
                   <a:srgbClr val="191b0e"/>
                 </a:solidFill>
-                <a:uFill>
-                  <a:solidFill>
-                    <a:srgbClr val="ffffff"/>
-                  </a:solidFill>
-                </a:uFill>
                 <a:latin typeface="Franklin Gothic Book"/>
                 <a:ea typeface="DejaVu Sans"/>
               </a:rPr>
               <a:t>Warm Up</a:t>
             </a:r>
-            <a:endParaRPr b="0" lang="en-GB" sz="1800" spc="-1" strike="noStrike">
-              <a:solidFill>
-                <a:srgbClr val="000000"/>
-              </a:solidFill>
-              <a:uFill>
-                <a:solidFill>
-                  <a:srgbClr val="ffffff"/>
-                </a:solidFill>
-              </a:uFill>
-              <a:latin typeface="Arial"/>
-            </a:endParaRPr>
-          </a:p>
-          <a:p>
-            <a:pPr marL="216000" indent="-216000">
+            <a:endParaRPr/>
+          </a:p>
+          <a:p>
+            <a:pPr>
               <a:lnSpc>
                 <a:spcPct val="100000"/>
               </a:lnSpc>
-              <a:buClr>
-                <a:srgbClr val="191b0e"/>
-              </a:buClr>
               <a:buFont typeface="Franklin Gothic Book"/>
               <a:buAutoNum type="arabicPeriod"/>
             </a:pPr>
             <a:r>
-              <a:rPr b="0" lang="en-GB" sz="2800" spc="-1" strike="noStrike">
+              <a:rPr lang="en-GB" sz="2800" strike="noStrike">
                 <a:solidFill>
                   <a:srgbClr val="191b0e"/>
                 </a:solidFill>
-                <a:uFill>
-                  <a:solidFill>
-                    <a:srgbClr val="ffffff"/>
-                  </a:solidFill>
-                </a:uFill>
                 <a:latin typeface="Franklin Gothic Book"/>
                 <a:ea typeface="DejaVu Sans"/>
               </a:rPr>
               <a:t>Outline the Tasks/Challenges for the Session</a:t>
             </a:r>
-            <a:endParaRPr b="0" lang="en-GB" sz="1800" spc="-1" strike="noStrike">
-              <a:solidFill>
-                <a:srgbClr val="000000"/>
-              </a:solidFill>
-              <a:uFill>
-                <a:solidFill>
-                  <a:srgbClr val="ffffff"/>
-                </a:solidFill>
-              </a:uFill>
-              <a:latin typeface="Arial"/>
-            </a:endParaRPr>
-          </a:p>
-          <a:p>
-            <a:pPr marL="216000" indent="-216000">
+            <a:endParaRPr/>
+          </a:p>
+          <a:p>
+            <a:pPr>
               <a:lnSpc>
                 <a:spcPct val="100000"/>
               </a:lnSpc>
-              <a:buClr>
-                <a:srgbClr val="191b0e"/>
-              </a:buClr>
               <a:buFont typeface="Franklin Gothic Book"/>
               <a:buAutoNum type="arabicPeriod"/>
             </a:pPr>
             <a:r>
-              <a:rPr b="0" lang="en-GB" sz="2800" spc="-1" strike="noStrike">
+              <a:rPr lang="en-GB" sz="2800" strike="noStrike">
                 <a:solidFill>
                   <a:srgbClr val="191b0e"/>
                 </a:solidFill>
-                <a:uFill>
-                  <a:solidFill>
-                    <a:srgbClr val="ffffff"/>
-                  </a:solidFill>
-                </a:uFill>
                 <a:latin typeface="Franklin Gothic Book"/>
                 <a:ea typeface="DejaVu Sans"/>
               </a:rPr>
               <a:t>Brainstorm</a:t>
             </a:r>
-            <a:endParaRPr b="0" lang="en-GB" sz="1800" spc="-1" strike="noStrike">
-              <a:solidFill>
-                <a:srgbClr val="000000"/>
-              </a:solidFill>
-              <a:uFill>
-                <a:solidFill>
-                  <a:srgbClr val="ffffff"/>
-                </a:solidFill>
-              </a:uFill>
-              <a:latin typeface="Arial"/>
-            </a:endParaRPr>
-          </a:p>
-          <a:p>
-            <a:pPr marL="216000" indent="-216000">
+            <a:endParaRPr/>
+          </a:p>
+          <a:p>
+            <a:pPr>
               <a:lnSpc>
                 <a:spcPct val="100000"/>
               </a:lnSpc>
-              <a:buClr>
-                <a:srgbClr val="191b0e"/>
-              </a:buClr>
               <a:buFont typeface="Franklin Gothic Book"/>
               <a:buAutoNum type="arabicPeriod"/>
             </a:pPr>
             <a:r>
-              <a:rPr b="0" lang="en-GB" sz="2800" spc="-1" strike="noStrike">
+              <a:rPr lang="en-GB" sz="2800" strike="noStrike">
                 <a:solidFill>
                   <a:srgbClr val="191b0e"/>
                 </a:solidFill>
-                <a:uFill>
-                  <a:solidFill>
-                    <a:srgbClr val="ffffff"/>
-                  </a:solidFill>
-                </a:uFill>
                 <a:latin typeface="Franklin Gothic Book"/>
                 <a:ea typeface="DejaVu Sans"/>
               </a:rPr>
               <a:t>Get Coding</a:t>
             </a:r>
-            <a:endParaRPr b="0" lang="en-GB" sz="1800" spc="-1" strike="noStrike">
-              <a:solidFill>
-                <a:srgbClr val="000000"/>
-              </a:solidFill>
-              <a:uFill>
-                <a:solidFill>
-                  <a:srgbClr val="ffffff"/>
-                </a:solidFill>
-              </a:uFill>
-              <a:latin typeface="Arial"/>
-            </a:endParaRPr>
-          </a:p>
-          <a:p>
-            <a:pPr marL="216000" indent="-216000">
+            <a:endParaRPr/>
+          </a:p>
+          <a:p>
+            <a:pPr>
               <a:lnSpc>
                 <a:spcPct val="100000"/>
               </a:lnSpc>
-              <a:buClr>
-                <a:srgbClr val="191b0e"/>
-              </a:buClr>
               <a:buFont typeface="Franklin Gothic Book"/>
               <a:buAutoNum type="arabicPeriod"/>
             </a:pPr>
             <a:r>
-              <a:rPr b="0" lang="en-GB" sz="2800" spc="-1" strike="noStrike">
+              <a:rPr lang="en-GB" sz="2800" strike="noStrike">
                 <a:solidFill>
                   <a:srgbClr val="191b0e"/>
                 </a:solidFill>
-                <a:uFill>
-                  <a:solidFill>
-                    <a:srgbClr val="ffffff"/>
-                  </a:solidFill>
-                </a:uFill>
                 <a:latin typeface="Franklin Gothic Book"/>
                 <a:ea typeface="DejaVu Sans"/>
               </a:rPr>
               <a:t>Show your Work</a:t>
             </a:r>
-            <a:endParaRPr b="0" lang="en-GB" sz="1800" spc="-1" strike="noStrike">
-              <a:solidFill>
-                <a:srgbClr val="000000"/>
-              </a:solidFill>
-              <a:uFill>
-                <a:solidFill>
-                  <a:srgbClr val="ffffff"/>
-                </a:solidFill>
-              </a:uFill>
-              <a:latin typeface="Arial"/>
-            </a:endParaRPr>
+            <a:endParaRPr/>
           </a:p>
         </p:txBody>
       </p:sp>
@@ -5178,7 +4022,7 @@
 </file>
 
 <file path=ppt/slides/slide3.xml><?xml version="1.0" encoding="utf-8"?>
-<p:sld xmlns:a="http://schemas.openxmlformats.org/drawingml/2006/main" xmlns:p="http://schemas.openxmlformats.org/presentationml/2006/main" xmlns:r="http://schemas.openxmlformats.org/officeDocument/2006/relationships" xmlns:p14="http://schemas.microsoft.com/office/powerpoint/2010/main" xmlns:p15="http://schemas.microsoft.com/office/powerpoint/2012/main" xmlns:mc="http://schemas.openxmlformats.org/markup-compatibility/2006">
+<p:sld xmlns:a="http://schemas.openxmlformats.org/drawingml/2006/main" xmlns:p="http://schemas.openxmlformats.org/presentationml/2006/main" xmlns:r="http://schemas.openxmlformats.org/officeDocument/2006/relationships">
   <p:cSld>
     <p:spTree>
       <p:nvGrpSpPr>
@@ -5203,7 +4047,7 @@
         <p:spPr>
           <a:xfrm>
             <a:off x="1371600" y="685800"/>
-            <a:ext cx="9598680" cy="1483560"/>
+            <a:ext cx="9597960" cy="1482840"/>
           </a:xfrm>
           <a:prstGeom prst="rect">
             <a:avLst/>
@@ -5228,31 +4072,16 @@
               </a:lnSpc>
             </a:pPr>
             <a:r>
-              <a:rPr b="0" lang="en-GB" sz="4400" spc="-1" strike="noStrike">
+              <a:rPr lang="en-GB" sz="4400" strike="noStrike">
                 <a:solidFill>
                   <a:srgbClr val="191b0e"/>
                 </a:solidFill>
-                <a:uFill>
-                  <a:solidFill>
-                    <a:srgbClr val="ffffff"/>
-                  </a:solidFill>
-                </a:uFill>
                 <a:latin typeface="Franklin Gothic Book"/>
                 <a:ea typeface="DejaVu Sans"/>
               </a:rPr>
               <a:t>Dojo updates</a:t>
             </a:r>
-            <a:endParaRPr b="0" lang="en-GB" sz="1800" spc="-1" strike="noStrike">
-              <a:solidFill>
-                <a:srgbClr val="000000"/>
-              </a:solidFill>
-              <a:uFill>
-                <a:solidFill>
-                  <a:srgbClr val="ffffff"/>
-                </a:solidFill>
-              </a:uFill>
-              <a:latin typeface="Arial"/>
-            </a:endParaRPr>
+            <a:endParaRPr/>
           </a:p>
         </p:txBody>
       </p:sp>
@@ -5265,7 +4094,7 @@
         <p:spPr>
           <a:xfrm>
             <a:off x="1371600" y="2286000"/>
-            <a:ext cx="9598680" cy="3578760"/>
+            <a:ext cx="9597960" cy="3578040"/>
           </a:xfrm>
           <a:prstGeom prst="rect">
             <a:avLst/>
@@ -5284,308 +4113,164 @@
         <p:txBody>
           <a:bodyPr lIns="90000" rIns="90000" tIns="45000" bIns="45000"/>
           <a:p>
-            <a:pPr marL="216000" indent="-216000">
+            <a:pPr>
               <a:lnSpc>
                 <a:spcPct val="94000"/>
               </a:lnSpc>
-              <a:buClr>
-                <a:srgbClr val="191b0e"/>
-              </a:buClr>
               <a:buFont typeface="Franklin Gothic Book"/>
               <a:buChar char="■"/>
             </a:pPr>
             <a:r>
-              <a:rPr b="0" lang="en-GB" sz="2800" spc="-1" strike="noStrike">
+              <a:rPr lang="en-GB" sz="2800" strike="noStrike">
                 <a:solidFill>
                   <a:srgbClr val="191b0e"/>
                 </a:solidFill>
-                <a:uFill>
-                  <a:solidFill>
-                    <a:srgbClr val="ffffff"/>
-                  </a:solidFill>
-                </a:uFill>
                 <a:latin typeface="Franklin Gothic Book"/>
                 <a:ea typeface="DejaVu Sans"/>
               </a:rPr>
               <a:t>Join Scratch Online</a:t>
             </a:r>
-            <a:endParaRPr b="0" lang="en-GB" sz="1800" spc="-1" strike="noStrike">
-              <a:solidFill>
-                <a:srgbClr val="000000"/>
-              </a:solidFill>
-              <a:uFill>
-                <a:solidFill>
-                  <a:srgbClr val="ffffff"/>
-                </a:solidFill>
-              </a:uFill>
-              <a:latin typeface="Arial"/>
-            </a:endParaRPr>
-          </a:p>
-          <a:p>
-            <a:pPr lvl="1" marL="432000" indent="-216000">
+            <a:endParaRPr/>
+          </a:p>
+          <a:p>
+            <a:pPr lvl="1">
               <a:lnSpc>
                 <a:spcPct val="100000"/>
               </a:lnSpc>
-              <a:buClr>
-                <a:srgbClr val="191b0e"/>
-              </a:buClr>
               <a:buFont typeface="Franklin Gothic Book"/>
               <a:buChar char="–"/>
             </a:pPr>
             <a:r>
-              <a:rPr b="0" i="1" lang="en-GB" sz="2800" spc="-1" strike="noStrike">
+              <a:rPr i="1" lang="en-GB" sz="2800" strike="noStrike">
                 <a:solidFill>
                   <a:srgbClr val="191b0e"/>
                 </a:solidFill>
-                <a:uFill>
-                  <a:solidFill>
-                    <a:srgbClr val="ffffff"/>
-                  </a:solidFill>
-                </a:uFill>
                 <a:latin typeface="Franklin Gothic Book"/>
                 <a:ea typeface="DejaVu Sans"/>
               </a:rPr>
               <a:t>Save your work, build a collection</a:t>
             </a:r>
-            <a:endParaRPr b="0" lang="en-GB" sz="1800" spc="-1" strike="noStrike">
-              <a:solidFill>
-                <a:srgbClr val="000000"/>
-              </a:solidFill>
-              <a:uFill>
-                <a:solidFill>
-                  <a:srgbClr val="ffffff"/>
-                </a:solidFill>
-              </a:uFill>
-              <a:latin typeface="Arial"/>
-            </a:endParaRPr>
-          </a:p>
-          <a:p>
-            <a:pPr marL="216000" indent="-216000">
+            <a:endParaRPr/>
+          </a:p>
+          <a:p>
+            <a:pPr>
               <a:lnSpc>
                 <a:spcPct val="94000"/>
               </a:lnSpc>
-              <a:buClr>
-                <a:srgbClr val="191b0e"/>
-              </a:buClr>
               <a:buFont typeface="Franklin Gothic Book"/>
               <a:buChar char="■"/>
             </a:pPr>
             <a:r>
-              <a:rPr b="0" lang="en-GB" sz="2800" spc="-1" strike="noStrike">
+              <a:rPr lang="en-GB" sz="2800" strike="noStrike">
                 <a:solidFill>
                   <a:srgbClr val="191b0e"/>
                 </a:solidFill>
-                <a:uFill>
-                  <a:solidFill>
-                    <a:srgbClr val="ffffff"/>
-                  </a:solidFill>
-                </a:uFill>
                 <a:latin typeface="Franklin Gothic Book"/>
                 <a:ea typeface="DejaVu Sans"/>
               </a:rPr>
               <a:t>Share your interests</a:t>
             </a:r>
-            <a:endParaRPr b="0" lang="en-GB" sz="1800" spc="-1" strike="noStrike">
-              <a:solidFill>
-                <a:srgbClr val="000000"/>
-              </a:solidFill>
-              <a:uFill>
-                <a:solidFill>
-                  <a:srgbClr val="ffffff"/>
-                </a:solidFill>
-              </a:uFill>
-              <a:latin typeface="Arial"/>
-            </a:endParaRPr>
-          </a:p>
-          <a:p>
-            <a:pPr lvl="1" marL="432000" indent="-216000">
+            <a:endParaRPr/>
+          </a:p>
+          <a:p>
+            <a:pPr lvl="1">
               <a:lnSpc>
                 <a:spcPct val="100000"/>
               </a:lnSpc>
-              <a:buClr>
-                <a:srgbClr val="191b0e"/>
-              </a:buClr>
               <a:buFont typeface="Franklin Gothic Book"/>
               <a:buChar char="–"/>
             </a:pPr>
             <a:r>
-              <a:rPr b="0" i="1" lang="en-GB" sz="2800" spc="-1" strike="noStrike">
+              <a:rPr i="1" lang="en-GB" sz="2800" strike="noStrike">
                 <a:solidFill>
                   <a:srgbClr val="191b0e"/>
                 </a:solidFill>
-                <a:uFill>
-                  <a:solidFill>
-                    <a:srgbClr val="ffffff"/>
-                  </a:solidFill>
-                </a:uFill>
                 <a:latin typeface="Franklin Gothic Book"/>
                 <a:ea typeface="DejaVu Sans"/>
               </a:rPr>
               <a:t>Animation: Alice3, Muvizu, Pencil2D</a:t>
             </a:r>
-            <a:endParaRPr b="0" lang="en-GB" sz="1800" spc="-1" strike="noStrike">
-              <a:solidFill>
-                <a:srgbClr val="000000"/>
-              </a:solidFill>
-              <a:uFill>
-                <a:solidFill>
-                  <a:srgbClr val="ffffff"/>
-                </a:solidFill>
-              </a:uFill>
-              <a:latin typeface="Arial"/>
-            </a:endParaRPr>
-          </a:p>
-          <a:p>
-            <a:pPr lvl="1" marL="432000" indent="-216000">
+            <a:endParaRPr/>
+          </a:p>
+          <a:p>
+            <a:pPr lvl="1">
               <a:lnSpc>
                 <a:spcPct val="100000"/>
               </a:lnSpc>
-              <a:buClr>
-                <a:srgbClr val="191b0e"/>
-              </a:buClr>
               <a:buFont typeface="Franklin Gothic Book"/>
               <a:buChar char="–"/>
             </a:pPr>
             <a:r>
-              <a:rPr b="0" i="1" lang="en-GB" sz="2800" spc="-1" strike="noStrike">
+              <a:rPr i="1" lang="en-GB" sz="2800" strike="noStrike">
                 <a:solidFill>
                   <a:srgbClr val="191b0e"/>
                 </a:solidFill>
-                <a:uFill>
-                  <a:solidFill>
-                    <a:srgbClr val="ffffff"/>
-                  </a:solidFill>
-                </a:uFill>
                 <a:latin typeface="Franklin Gothic Book"/>
                 <a:ea typeface="DejaVu Sans"/>
               </a:rPr>
               <a:t>Games: Scratch</a:t>
             </a:r>
-            <a:endParaRPr b="0" lang="en-GB" sz="1800" spc="-1" strike="noStrike">
-              <a:solidFill>
-                <a:srgbClr val="000000"/>
-              </a:solidFill>
-              <a:uFill>
-                <a:solidFill>
-                  <a:srgbClr val="ffffff"/>
-                </a:solidFill>
-              </a:uFill>
-              <a:latin typeface="Arial"/>
-            </a:endParaRPr>
-          </a:p>
-          <a:p>
-            <a:pPr lvl="1" marL="432000" indent="-216000">
+            <a:endParaRPr/>
+          </a:p>
+          <a:p>
+            <a:pPr lvl="1">
               <a:lnSpc>
                 <a:spcPct val="100000"/>
               </a:lnSpc>
-              <a:buClr>
-                <a:srgbClr val="191b0e"/>
-              </a:buClr>
               <a:buFont typeface="Franklin Gothic Book"/>
               <a:buChar char="–"/>
             </a:pPr>
             <a:r>
-              <a:rPr b="0" i="1" lang="en-GB" sz="2800" spc="-1" strike="noStrike">
+              <a:rPr i="1" lang="en-GB" sz="2800" strike="noStrike">
                 <a:solidFill>
                   <a:srgbClr val="191b0e"/>
                 </a:solidFill>
-                <a:uFill>
-                  <a:solidFill>
-                    <a:srgbClr val="ffffff"/>
-                  </a:solidFill>
-                </a:uFill>
                 <a:latin typeface="Franklin Gothic Book"/>
                 <a:ea typeface="DejaVu Sans"/>
               </a:rPr>
               <a:t>Blogs/Websites: HTML, CSS, Javascript</a:t>
             </a:r>
-            <a:endParaRPr b="0" lang="en-GB" sz="1800" spc="-1" strike="noStrike">
-              <a:solidFill>
-                <a:srgbClr val="000000"/>
-              </a:solidFill>
-              <a:uFill>
-                <a:solidFill>
-                  <a:srgbClr val="ffffff"/>
-                </a:solidFill>
-              </a:uFill>
-              <a:latin typeface="Arial"/>
-            </a:endParaRPr>
-          </a:p>
-          <a:p>
-            <a:pPr lvl="1" marL="432000" indent="-216000">
+            <a:endParaRPr/>
+          </a:p>
+          <a:p>
+            <a:pPr lvl="1">
               <a:lnSpc>
                 <a:spcPct val="100000"/>
               </a:lnSpc>
-              <a:buClr>
-                <a:srgbClr val="191b0e"/>
-              </a:buClr>
               <a:buFont typeface="Franklin Gothic Book"/>
               <a:buChar char="–"/>
             </a:pPr>
             <a:r>
-              <a:rPr b="0" i="1" lang="en-GB" sz="2800" spc="-1" strike="noStrike">
+              <a:rPr i="1" lang="en-GB" sz="2800" strike="noStrike">
                 <a:solidFill>
                   <a:srgbClr val="191b0e"/>
                 </a:solidFill>
-                <a:uFill>
-                  <a:solidFill>
-                    <a:srgbClr val="ffffff"/>
-                  </a:solidFill>
-                </a:uFill>
                 <a:latin typeface="Franklin Gothic Book"/>
                 <a:ea typeface="DejaVu Sans"/>
               </a:rPr>
               <a:t>Apps: AppInventor</a:t>
             </a:r>
-            <a:endParaRPr b="0" lang="en-GB" sz="1800" spc="-1" strike="noStrike">
-              <a:solidFill>
-                <a:srgbClr val="000000"/>
-              </a:solidFill>
-              <a:uFill>
-                <a:solidFill>
-                  <a:srgbClr val="ffffff"/>
-                </a:solidFill>
-              </a:uFill>
-              <a:latin typeface="Arial"/>
-            </a:endParaRPr>
-          </a:p>
-          <a:p>
-            <a:pPr marL="216000" indent="-216000">
+            <a:endParaRPr/>
+          </a:p>
+          <a:p>
+            <a:pPr>
               <a:lnSpc>
                 <a:spcPct val="100000"/>
               </a:lnSpc>
-              <a:buClr>
-                <a:srgbClr val="191b0e"/>
-              </a:buClr>
               <a:buFont typeface="Franklin Gothic Book"/>
               <a:buChar char="■"/>
             </a:pPr>
             <a:r>
-              <a:rPr b="0" i="1" lang="en-GB" sz="2800" spc="-1" strike="noStrike">
+              <a:rPr i="1" lang="en-GB" sz="2800" strike="noStrike">
                 <a:solidFill>
                   <a:srgbClr val="191b0e"/>
                 </a:solidFill>
-                <a:uFill>
-                  <a:solidFill>
-                    <a:srgbClr val="ffffff"/>
-                  </a:solidFill>
-                </a:uFill>
                 <a:latin typeface="Franklin Gothic Book"/>
                 <a:ea typeface="DejaVu Sans"/>
               </a:rPr>
               <a:t>Our Dojo has a website – coderdojokells.com (Would HTML / CSS ninjas like to help us make it better?)</a:t>
             </a:r>
-            <a:endParaRPr b="0" lang="en-GB" sz="1800" spc="-1" strike="noStrike">
-              <a:solidFill>
-                <a:srgbClr val="000000"/>
-              </a:solidFill>
-              <a:uFill>
-                <a:solidFill>
-                  <a:srgbClr val="ffffff"/>
-                </a:solidFill>
-              </a:uFill>
-              <a:latin typeface="Arial"/>
-            </a:endParaRPr>
+            <a:endParaRPr/>
           </a:p>
         </p:txBody>
       </p:sp>
@@ -5622,7 +4307,7 @@
 </file>
 
 <file path=ppt/slides/slide4.xml><?xml version="1.0" encoding="utf-8"?>
-<p:sld xmlns:a="http://schemas.openxmlformats.org/drawingml/2006/main" xmlns:p="http://schemas.openxmlformats.org/presentationml/2006/main" xmlns:r="http://schemas.openxmlformats.org/officeDocument/2006/relationships" xmlns:p14="http://schemas.microsoft.com/office/powerpoint/2010/main" xmlns:p15="http://schemas.microsoft.com/office/powerpoint/2012/main" xmlns:mc="http://schemas.openxmlformats.org/markup-compatibility/2006">
+<p:sld xmlns:a="http://schemas.openxmlformats.org/drawingml/2006/main" xmlns:p="http://schemas.openxmlformats.org/presentationml/2006/main" xmlns:r="http://schemas.openxmlformats.org/officeDocument/2006/relationships">
   <p:cSld>
     <p:spTree>
       <p:nvGrpSpPr>
@@ -5647,7 +4332,7 @@
         <p:spPr>
           <a:xfrm>
             <a:off x="1371600" y="685800"/>
-            <a:ext cx="9598680" cy="1483560"/>
+            <a:ext cx="9597960" cy="1482840"/>
           </a:xfrm>
           <a:prstGeom prst="rect">
             <a:avLst/>
@@ -5672,31 +4357,16 @@
               </a:lnSpc>
             </a:pPr>
             <a:r>
-              <a:rPr b="0" lang="en-GB" sz="4400" spc="-1" strike="noStrike">
+              <a:rPr lang="en-GB" sz="4400" strike="noStrike">
                 <a:solidFill>
                   <a:srgbClr val="191b0e"/>
                 </a:solidFill>
-                <a:uFill>
-                  <a:solidFill>
-                    <a:srgbClr val="ffffff"/>
-                  </a:solidFill>
-                </a:uFill>
                 <a:latin typeface="Franklin Gothic Book"/>
                 <a:ea typeface="DejaVu Sans"/>
               </a:rPr>
               <a:t>Our Dojo Mottos</a:t>
             </a:r>
-            <a:endParaRPr b="0" lang="en-GB" sz="1800" spc="-1" strike="noStrike">
-              <a:solidFill>
-                <a:srgbClr val="000000"/>
-              </a:solidFill>
-              <a:uFill>
-                <a:solidFill>
-                  <a:srgbClr val="ffffff"/>
-                </a:solidFill>
-              </a:uFill>
-              <a:latin typeface="Arial"/>
-            </a:endParaRPr>
+            <a:endParaRPr/>
           </a:p>
         </p:txBody>
       </p:sp>
@@ -5709,7 +4379,7 @@
         <p:spPr>
           <a:xfrm>
             <a:off x="1371600" y="2286000"/>
-            <a:ext cx="9598680" cy="4228920"/>
+            <a:ext cx="9597960" cy="4228200"/>
           </a:xfrm>
           <a:prstGeom prst="rect">
             <a:avLst/>
@@ -5728,234 +4398,132 @@
         <p:txBody>
           <a:bodyPr lIns="90000" rIns="90000" tIns="45000" bIns="45000"/>
           <a:p>
-            <a:pPr marL="216000" indent="-216000">
-              <a:lnSpc>
-                <a:spcPct val="94000"/>
-              </a:lnSpc>
-              <a:buClr>
-                <a:srgbClr val="d13b56"/>
-              </a:buClr>
-              <a:buFont typeface="Franklin Gothic Book"/>
-              <a:buChar char="■"/>
-            </a:pPr>
-            <a:r>
-              <a:rPr b="1" lang="en-GB" sz="5400" spc="-1" strike="noStrike">
-                <a:solidFill>
-                  <a:srgbClr val="d13b56"/>
-                </a:solidFill>
-                <a:uFill>
-                  <a:solidFill>
-                    <a:srgbClr val="ffffff"/>
-                  </a:solidFill>
-                </a:uFill>
-                <a:latin typeface="Franklin Gothic Book"/>
-                <a:ea typeface="DejaVu Sans"/>
-              </a:rPr>
-              <a:t>  </a:t>
-            </a:r>
-            <a:r>
-              <a:rPr b="1" lang="en-GB" sz="5400" spc="-1" strike="noStrike">
-                <a:solidFill>
-                  <a:srgbClr val="d13b56"/>
-                </a:solidFill>
-                <a:uFill>
-                  <a:solidFill>
-                    <a:srgbClr val="ffffff"/>
-                  </a:solidFill>
-                </a:uFill>
-                <a:latin typeface="Franklin Gothic Book"/>
-                <a:ea typeface="DejaVu Sans"/>
-              </a:rPr>
-              <a:t>One rule, be cool</a:t>
-            </a:r>
-            <a:endParaRPr b="0" lang="en-GB" sz="1800" spc="-1" strike="noStrike">
-              <a:solidFill>
-                <a:srgbClr val="000000"/>
-              </a:solidFill>
-              <a:uFill>
-                <a:solidFill>
-                  <a:srgbClr val="ffffff"/>
-                </a:solidFill>
-              </a:uFill>
-              <a:latin typeface="Arial"/>
-            </a:endParaRPr>
-          </a:p>
-          <a:p>
-            <a:pPr marL="216000" indent="-216000">
-              <a:lnSpc>
-                <a:spcPct val="94000"/>
-              </a:lnSpc>
-              <a:buClr>
-                <a:srgbClr val="4d7d99"/>
-              </a:buClr>
-              <a:buFont typeface="Franklin Gothic Book"/>
-              <a:buChar char="■"/>
-            </a:pPr>
-            <a:r>
-              <a:rPr b="0" lang="en-GB" sz="5400" spc="-1" strike="noStrike">
-                <a:solidFill>
-                  <a:srgbClr val="4d7d99"/>
-                </a:solidFill>
-                <a:uFill>
-                  <a:solidFill>
-                    <a:srgbClr val="ffffff"/>
-                  </a:solidFill>
-                </a:uFill>
-                <a:latin typeface="Franklin Gothic Book"/>
-                <a:ea typeface="DejaVu Sans"/>
-              </a:rPr>
-              <a:t>  </a:t>
-            </a:r>
-            <a:r>
-              <a:rPr b="0" lang="en-GB" sz="5400" spc="-1" strike="noStrike">
-                <a:solidFill>
-                  <a:srgbClr val="4d7d99"/>
-                </a:solidFill>
-                <a:uFill>
-                  <a:solidFill>
-                    <a:srgbClr val="ffffff"/>
-                  </a:solidFill>
-                </a:uFill>
-                <a:latin typeface="Franklin Gothic Book"/>
-                <a:ea typeface="DejaVu Sans"/>
-              </a:rPr>
-              <a:t>Ask 3 then me</a:t>
-            </a:r>
-            <a:endParaRPr b="0" lang="en-GB" sz="1800" spc="-1" strike="noStrike">
-              <a:solidFill>
-                <a:srgbClr val="000000"/>
-              </a:solidFill>
-              <a:uFill>
-                <a:solidFill>
-                  <a:srgbClr val="ffffff"/>
-                </a:solidFill>
-              </a:uFill>
-              <a:latin typeface="Arial"/>
-            </a:endParaRPr>
-          </a:p>
-          <a:p>
-            <a:pPr marL="216000" indent="-216000">
-              <a:lnSpc>
-                <a:spcPct val="94000"/>
-              </a:lnSpc>
-              <a:buClr>
-                <a:srgbClr val="00b050"/>
-              </a:buClr>
-              <a:buFont typeface="Franklin Gothic Book"/>
-              <a:buChar char="■"/>
-            </a:pPr>
-            <a:r>
-              <a:rPr b="0" lang="en-GB" sz="5400" spc="-1" strike="noStrike">
-                <a:solidFill>
-                  <a:srgbClr val="00b050"/>
-                </a:solidFill>
-                <a:uFill>
-                  <a:solidFill>
-                    <a:srgbClr val="ffffff"/>
-                  </a:solidFill>
-                </a:uFill>
-                <a:latin typeface="Franklin Gothic Book"/>
-                <a:ea typeface="DejaVu Sans"/>
-              </a:rPr>
-              <a:t>  </a:t>
-            </a:r>
-            <a:r>
-              <a:rPr b="0" lang="en-GB" sz="5400" spc="-1" strike="noStrike">
-                <a:solidFill>
-                  <a:srgbClr val="00b050"/>
-                </a:solidFill>
-                <a:uFill>
-                  <a:solidFill>
-                    <a:srgbClr val="ffffff"/>
-                  </a:solidFill>
-                </a:uFill>
-                <a:latin typeface="Franklin Gothic Book"/>
-                <a:ea typeface="DejaVu Sans"/>
-              </a:rPr>
-              <a:t>If you made it, you can play it</a:t>
-            </a:r>
-            <a:endParaRPr b="0" lang="en-GB" sz="1800" spc="-1" strike="noStrike">
-              <a:solidFill>
-                <a:srgbClr val="000000"/>
-              </a:solidFill>
-              <a:uFill>
-                <a:solidFill>
-                  <a:srgbClr val="ffffff"/>
-                </a:solidFill>
-              </a:uFill>
-              <a:latin typeface="Arial"/>
-            </a:endParaRPr>
-          </a:p>
-          <a:p>
-            <a:pPr marL="216000" indent="-216000">
-              <a:lnSpc>
-                <a:spcPct val="94000"/>
-              </a:lnSpc>
-              <a:buClr>
-                <a:srgbClr val="7030a0"/>
-              </a:buClr>
-              <a:buFont typeface="Franklin Gothic Book"/>
-              <a:buChar char="■"/>
-            </a:pPr>
-            <a:r>
-              <a:rPr b="0" lang="en-GB" sz="5400" spc="-1" strike="noStrike">
-                <a:solidFill>
-                  <a:srgbClr val="7030a0"/>
-                </a:solidFill>
-                <a:uFill>
-                  <a:solidFill>
-                    <a:srgbClr val="ffffff"/>
-                  </a:solidFill>
-                </a:uFill>
-                <a:latin typeface="Franklin Gothic Book"/>
-                <a:ea typeface="DejaVu Sans"/>
-              </a:rPr>
-              <a:t>  </a:t>
-            </a:r>
-            <a:r>
-              <a:rPr b="0" lang="en-GB" sz="5400" spc="-1" strike="noStrike">
-                <a:solidFill>
-                  <a:srgbClr val="7030a0"/>
-                </a:solidFill>
-                <a:uFill>
-                  <a:solidFill>
-                    <a:srgbClr val="ffffff"/>
-                  </a:solidFill>
-                </a:uFill>
-                <a:latin typeface="Franklin Gothic Book"/>
-                <a:ea typeface="DejaVu Sans"/>
-              </a:rPr>
-              <a:t>Parents, pitch in</a:t>
-            </a:r>
-            <a:endParaRPr b="0" lang="en-GB" sz="1800" spc="-1" strike="noStrike">
-              <a:solidFill>
-                <a:srgbClr val="000000"/>
-              </a:solidFill>
-              <a:uFill>
-                <a:solidFill>
-                  <a:srgbClr val="ffffff"/>
-                </a:solidFill>
-              </a:uFill>
-              <a:latin typeface="Arial"/>
-            </a:endParaRPr>
-          </a:p>
-          <a:p>
             <a:pPr>
               <a:lnSpc>
                 <a:spcPct val="94000"/>
               </a:lnSpc>
-            </a:pPr>
-            <a:endParaRPr b="0" lang="en-GB" sz="1800" spc="-1" strike="noStrike">
-              <a:solidFill>
-                <a:srgbClr val="000000"/>
-              </a:solidFill>
-              <a:uFill>
+              <a:buFont typeface="Franklin Gothic Book"/>
+              <a:buChar char="■"/>
+            </a:pPr>
+            <a:r>
+              <a:rPr b="1" lang="en-GB" sz="5400" strike="noStrike">
                 <a:solidFill>
-                  <a:srgbClr val="ffffff"/>
+                  <a:srgbClr val="d13b56"/>
                 </a:solidFill>
-              </a:uFill>
-              <a:latin typeface="Arial"/>
-            </a:endParaRPr>
+                <a:latin typeface="Franklin Gothic Book"/>
+                <a:ea typeface="DejaVu Sans"/>
+              </a:rPr>
+              <a:t>  </a:t>
+            </a:r>
+            <a:r>
+              <a:rPr b="1" lang="en-GB" sz="5400" strike="noStrike">
+                <a:solidFill>
+                  <a:srgbClr val="d13b56"/>
+                </a:solidFill>
+                <a:latin typeface="Franklin Gothic Book"/>
+                <a:ea typeface="DejaVu Sans"/>
+              </a:rPr>
+              <a:t>One rule, be cool</a:t>
+            </a:r>
+            <a:endParaRPr/>
+          </a:p>
+          <a:p>
+            <a:pPr>
+              <a:lnSpc>
+                <a:spcPct val="94000"/>
+              </a:lnSpc>
+              <a:buFont typeface="Franklin Gothic Book"/>
+              <a:buChar char="■"/>
+            </a:pPr>
+            <a:r>
+              <a:rPr lang="en-GB" sz="5400" strike="noStrike">
+                <a:solidFill>
+                  <a:srgbClr val="4d7d99"/>
+                </a:solidFill>
+                <a:latin typeface="Franklin Gothic Book"/>
+                <a:ea typeface="DejaVu Sans"/>
+              </a:rPr>
+              <a:t>  </a:t>
+            </a:r>
+            <a:r>
+              <a:rPr lang="en-GB" sz="5400" strike="noStrike">
+                <a:solidFill>
+                  <a:srgbClr val="4d7d99"/>
+                </a:solidFill>
+                <a:latin typeface="Franklin Gothic Book"/>
+                <a:ea typeface="DejaVu Sans"/>
+              </a:rPr>
+              <a:t>Ask 3 then me</a:t>
+            </a:r>
+            <a:endParaRPr/>
+          </a:p>
+          <a:p>
+            <a:pPr>
+              <a:lnSpc>
+                <a:spcPct val="94000"/>
+              </a:lnSpc>
+              <a:buFont typeface="Franklin Gothic Book"/>
+              <a:buChar char="■"/>
+            </a:pPr>
+            <a:r>
+              <a:rPr lang="en-GB" sz="5400" strike="noStrike">
+                <a:solidFill>
+                  <a:srgbClr val="00b050"/>
+                </a:solidFill>
+                <a:latin typeface="Franklin Gothic Book"/>
+                <a:ea typeface="DejaVu Sans"/>
+              </a:rPr>
+              <a:t>  </a:t>
+            </a:r>
+            <a:r>
+              <a:rPr lang="en-GB" sz="5400" strike="noStrike">
+                <a:solidFill>
+                  <a:srgbClr val="00b050"/>
+                </a:solidFill>
+                <a:latin typeface="Franklin Gothic Book"/>
+                <a:ea typeface="DejaVu Sans"/>
+              </a:rPr>
+              <a:t>If you made it, you can play it</a:t>
+            </a:r>
+            <a:endParaRPr/>
+          </a:p>
+          <a:p>
+            <a:pPr>
+              <a:lnSpc>
+                <a:spcPct val="94000"/>
+              </a:lnSpc>
+              <a:buFont typeface="Franklin Gothic Book"/>
+              <a:buChar char="■"/>
+            </a:pPr>
+            <a:r>
+              <a:rPr lang="en-GB" sz="5400" strike="noStrike">
+                <a:solidFill>
+                  <a:srgbClr val="7030a0"/>
+                </a:solidFill>
+                <a:latin typeface="Franklin Gothic Book"/>
+                <a:ea typeface="DejaVu Sans"/>
+              </a:rPr>
+              <a:t>  </a:t>
+            </a:r>
+            <a:r>
+              <a:rPr lang="en-GB" sz="5400" strike="noStrike">
+                <a:solidFill>
+                  <a:srgbClr val="7030a0"/>
+                </a:solidFill>
+                <a:latin typeface="Franklin Gothic Book"/>
+                <a:ea typeface="DejaVu Sans"/>
+              </a:rPr>
+              <a:t>Parents, pitch in</a:t>
+            </a:r>
+            <a:endParaRPr/>
+          </a:p>
+          <a:p>
+            <a:pPr>
+              <a:lnSpc>
+                <a:spcPct val="94000"/>
+              </a:lnSpc>
+            </a:pPr>
+            <a:endParaRPr/>
           </a:p>
         </p:txBody>
       </p:sp>
@@ -5992,7 +4560,7 @@
 </file>
 
 <file path=ppt/slides/slide5.xml><?xml version="1.0" encoding="utf-8"?>
-<p:sld xmlns:a="http://schemas.openxmlformats.org/drawingml/2006/main" xmlns:p="http://schemas.openxmlformats.org/presentationml/2006/main" xmlns:r="http://schemas.openxmlformats.org/officeDocument/2006/relationships" xmlns:p14="http://schemas.microsoft.com/office/powerpoint/2010/main" xmlns:p15="http://schemas.microsoft.com/office/powerpoint/2012/main" xmlns:mc="http://schemas.openxmlformats.org/markup-compatibility/2006">
+<p:sld xmlns:a="http://schemas.openxmlformats.org/drawingml/2006/main" xmlns:p="http://schemas.openxmlformats.org/presentationml/2006/main" xmlns:r="http://schemas.openxmlformats.org/officeDocument/2006/relationships">
   <p:cSld>
     <p:spTree>
       <p:nvGrpSpPr>
@@ -6017,7 +4585,7 @@
         <p:spPr>
           <a:xfrm>
             <a:off x="1371600" y="685800"/>
-            <a:ext cx="9598680" cy="1483560"/>
+            <a:ext cx="9597960" cy="1482840"/>
           </a:xfrm>
           <a:prstGeom prst="rect">
             <a:avLst/>
@@ -6042,31 +4610,16 @@
               </a:lnSpc>
             </a:pPr>
             <a:r>
-              <a:rPr b="0" lang="en-GB" sz="4400" spc="-1" strike="noStrike">
+              <a:rPr lang="en-GB" sz="4400" strike="noStrike">
                 <a:solidFill>
                   <a:srgbClr val="191b0e"/>
                 </a:solidFill>
-                <a:uFill>
-                  <a:solidFill>
-                    <a:srgbClr val="ffffff"/>
-                  </a:solidFill>
-                </a:uFill>
                 <a:latin typeface="Franklin Gothic Book"/>
                 <a:ea typeface="DejaVu Sans"/>
               </a:rPr>
               <a:t>Other small rules….</a:t>
             </a:r>
-            <a:endParaRPr b="0" lang="en-GB" sz="1800" spc="-1" strike="noStrike">
-              <a:solidFill>
-                <a:srgbClr val="000000"/>
-              </a:solidFill>
-              <a:uFill>
-                <a:solidFill>
-                  <a:srgbClr val="ffffff"/>
-                </a:solidFill>
-              </a:uFill>
-              <a:latin typeface="Arial"/>
-            </a:endParaRPr>
+            <a:endParaRPr/>
           </a:p>
         </p:txBody>
       </p:sp>
@@ -6079,7 +4632,7 @@
         <p:spPr>
           <a:xfrm>
             <a:off x="1306080" y="1584000"/>
-            <a:ext cx="7115760" cy="4963320"/>
+            <a:ext cx="7115040" cy="4962600"/>
           </a:xfrm>
           <a:prstGeom prst="rect">
             <a:avLst/>
@@ -6098,156 +4651,84 @@
         <p:txBody>
           <a:bodyPr lIns="90000" rIns="90000" tIns="45000" bIns="45000"/>
           <a:p>
-            <a:pPr marL="216000" indent="-216000">
+            <a:pPr>
               <a:lnSpc>
                 <a:spcPct val="100000"/>
               </a:lnSpc>
-              <a:buClr>
-                <a:srgbClr val="000000"/>
-              </a:buClr>
               <a:buFont typeface="Arial"/>
               <a:buChar char="•"/>
             </a:pPr>
             <a:r>
-              <a:rPr b="0" lang="en-GB" sz="4000" spc="-1" strike="noStrike">
+              <a:rPr lang="en-GB" sz="4000" strike="noStrike">
                 <a:solidFill>
                   <a:srgbClr val="000000"/>
                 </a:solidFill>
-                <a:uFill>
-                  <a:solidFill>
-                    <a:srgbClr val="ffffff"/>
-                  </a:solidFill>
-                </a:uFill>
                 <a:latin typeface="Franklin Gothic Book"/>
                 <a:ea typeface="DejaVu Sans"/>
               </a:rPr>
               <a:t>No open drink containers</a:t>
             </a:r>
-            <a:endParaRPr b="0" lang="en-GB" sz="1800" spc="-1" strike="noStrike">
-              <a:solidFill>
-                <a:srgbClr val="000000"/>
-              </a:solidFill>
-              <a:uFill>
-                <a:solidFill>
-                  <a:srgbClr val="ffffff"/>
-                </a:solidFill>
-              </a:uFill>
-              <a:latin typeface="Arial"/>
-            </a:endParaRPr>
-          </a:p>
-          <a:p>
-            <a:pPr marL="216000" indent="-216000">
+            <a:endParaRPr/>
+          </a:p>
+          <a:p>
+            <a:pPr>
               <a:lnSpc>
                 <a:spcPct val="100000"/>
               </a:lnSpc>
-              <a:buClr>
-                <a:srgbClr val="000000"/>
-              </a:buClr>
               <a:buFont typeface="Arial"/>
               <a:buChar char="•"/>
             </a:pPr>
             <a:r>
-              <a:rPr b="0" lang="en-GB" sz="4000" spc="-1" strike="noStrike">
+              <a:rPr lang="en-GB" sz="4000" strike="noStrike">
                 <a:solidFill>
                   <a:srgbClr val="000000"/>
                 </a:solidFill>
-                <a:uFill>
-                  <a:solidFill>
-                    <a:srgbClr val="ffffff"/>
-                  </a:solidFill>
-                </a:uFill>
                 <a:latin typeface="Franklin Gothic Book"/>
                 <a:ea typeface="DejaVu Sans"/>
               </a:rPr>
               <a:t>Watch the wires!</a:t>
             </a:r>
-            <a:endParaRPr b="0" lang="en-GB" sz="1800" spc="-1" strike="noStrike">
-              <a:solidFill>
-                <a:srgbClr val="000000"/>
-              </a:solidFill>
-              <a:uFill>
-                <a:solidFill>
-                  <a:srgbClr val="ffffff"/>
-                </a:solidFill>
-              </a:uFill>
-              <a:latin typeface="Arial"/>
-            </a:endParaRPr>
-          </a:p>
-          <a:p>
-            <a:pPr marL="216000" indent="-216000">
+            <a:endParaRPr/>
+          </a:p>
+          <a:p>
+            <a:pPr>
               <a:lnSpc>
                 <a:spcPct val="100000"/>
               </a:lnSpc>
-              <a:buClr>
-                <a:srgbClr val="000000"/>
-              </a:buClr>
               <a:buFont typeface="Arial"/>
               <a:buChar char="•"/>
             </a:pPr>
             <a:r>
-              <a:rPr b="0" lang="en-GB" sz="4000" spc="-1" strike="noStrike">
+              <a:rPr lang="en-GB" sz="4000" strike="noStrike">
                 <a:solidFill>
                   <a:srgbClr val="000000"/>
                 </a:solidFill>
-                <a:uFill>
-                  <a:solidFill>
-                    <a:srgbClr val="ffffff"/>
-                  </a:solidFill>
-                </a:uFill>
                 <a:latin typeface="Franklin Gothic Book"/>
                 <a:ea typeface="DejaVu Sans"/>
               </a:rPr>
               <a:t>Phones silent &amp; put away</a:t>
             </a:r>
-            <a:endParaRPr b="0" lang="en-GB" sz="1800" spc="-1" strike="noStrike">
-              <a:solidFill>
-                <a:srgbClr val="000000"/>
-              </a:solidFill>
-              <a:uFill>
-                <a:solidFill>
-                  <a:srgbClr val="ffffff"/>
-                </a:solidFill>
-              </a:uFill>
-              <a:latin typeface="Arial"/>
-            </a:endParaRPr>
-          </a:p>
-          <a:p>
-            <a:pPr marL="216000" indent="-216000">
+            <a:endParaRPr/>
+          </a:p>
+          <a:p>
+            <a:pPr>
               <a:lnSpc>
                 <a:spcPct val="100000"/>
               </a:lnSpc>
-              <a:buClr>
-                <a:srgbClr val="000000"/>
-              </a:buClr>
               <a:buFont typeface="Arial"/>
               <a:buChar char="•"/>
             </a:pPr>
             <a:r>
-              <a:rPr b="0" lang="en-GB" sz="4000" spc="-1" strike="noStrike">
+              <a:rPr lang="en-GB" sz="4000" strike="noStrike">
                 <a:solidFill>
                   <a:srgbClr val="000000"/>
                 </a:solidFill>
-                <a:uFill>
-                  <a:solidFill>
-                    <a:srgbClr val="ffffff"/>
-                  </a:solidFill>
-                </a:uFill>
                 <a:latin typeface="Franklin Gothic Book"/>
                 <a:ea typeface="DejaVu Sans"/>
               </a:rPr>
               <a:t>Stay in the room.  bathroom? – let a mentor know</a:t>
             </a:r>
-            <a:endParaRPr b="0" lang="en-GB" sz="1800" spc="-1" strike="noStrike">
-              <a:solidFill>
-                <a:srgbClr val="000000"/>
-              </a:solidFill>
-              <a:uFill>
-                <a:solidFill>
-                  <a:srgbClr val="ffffff"/>
-                </a:solidFill>
-              </a:uFill>
-              <a:latin typeface="Arial"/>
-            </a:endParaRPr>
+            <a:endParaRPr/>
           </a:p>
         </p:txBody>
       </p:sp>
@@ -6284,7 +4765,7 @@
 </file>
 
 <file path=ppt/slides/slide6.xml><?xml version="1.0" encoding="utf-8"?>
-<p:sld xmlns:a="http://schemas.openxmlformats.org/drawingml/2006/main" xmlns:p="http://schemas.openxmlformats.org/presentationml/2006/main" xmlns:r="http://schemas.openxmlformats.org/officeDocument/2006/relationships" xmlns:p14="http://schemas.microsoft.com/office/powerpoint/2010/main" xmlns:p15="http://schemas.microsoft.com/office/powerpoint/2012/main" xmlns:mc="http://schemas.openxmlformats.org/markup-compatibility/2006">
+<p:sld xmlns:a="http://schemas.openxmlformats.org/drawingml/2006/main" xmlns:p="http://schemas.openxmlformats.org/presentationml/2006/main" xmlns:r="http://schemas.openxmlformats.org/officeDocument/2006/relationships">
   <p:cSld>
     <p:spTree>
       <p:nvGrpSpPr>
@@ -6309,7 +4790,7 @@
         <p:spPr>
           <a:xfrm>
             <a:off x="1371600" y="685800"/>
-            <a:ext cx="9598680" cy="1483560"/>
+            <a:ext cx="9597960" cy="1482840"/>
           </a:xfrm>
           <a:prstGeom prst="rect">
             <a:avLst/>
@@ -6334,31 +4815,16 @@
               </a:lnSpc>
             </a:pPr>
             <a:r>
-              <a:rPr b="0" lang="en-GB" sz="4400" spc="-1" strike="noStrike">
+              <a:rPr lang="en-GB" sz="4400" strike="noStrike">
                 <a:solidFill>
                   <a:srgbClr val="191b0e"/>
                 </a:solidFill>
-                <a:uFill>
-                  <a:solidFill>
-                    <a:srgbClr val="ffffff"/>
-                  </a:solidFill>
-                </a:uFill>
                 <a:latin typeface="Franklin Gothic Book"/>
                 <a:ea typeface="DejaVu Sans"/>
               </a:rPr>
               <a:t>Wifi</a:t>
             </a:r>
-            <a:endParaRPr b="0" lang="en-GB" sz="1800" spc="-1" strike="noStrike">
-              <a:solidFill>
-                <a:srgbClr val="000000"/>
-              </a:solidFill>
-              <a:uFill>
-                <a:solidFill>
-                  <a:srgbClr val="ffffff"/>
-                </a:solidFill>
-              </a:uFill>
-              <a:latin typeface="Arial"/>
-            </a:endParaRPr>
+            <a:endParaRPr/>
           </a:p>
         </p:txBody>
       </p:sp>
@@ -6371,7 +4837,7 @@
         <p:spPr>
           <a:xfrm>
             <a:off x="1493280" y="1574280"/>
-            <a:ext cx="6988680" cy="636840"/>
+            <a:ext cx="6987960" cy="636120"/>
           </a:xfrm>
           <a:prstGeom prst="rect">
             <a:avLst/>
@@ -6390,42 +4856,24 @@
         <p:txBody>
           <a:bodyPr lIns="90000" rIns="90000" tIns="45000" bIns="45000"/>
           <a:p>
-            <a:pPr marL="216000" indent="-216000">
+            <a:pPr>
               <a:lnSpc>
                 <a:spcPct val="100000"/>
               </a:lnSpc>
-              <a:buClr>
-                <a:srgbClr val="000000"/>
-              </a:buClr>
               <a:buFont typeface="Arial"/>
               <a:buChar char="•"/>
             </a:pPr>
             <a:r>
-              <a:rPr b="0" lang="en-GB" sz="3600" spc="-1" strike="noStrike">
+              <a:rPr lang="en-GB" sz="3600" strike="noStrike">
                 <a:solidFill>
                   <a:srgbClr val="000000"/>
                 </a:solidFill>
-                <a:uFill>
-                  <a:solidFill>
-                    <a:srgbClr val="ffffff"/>
-                  </a:solidFill>
-                </a:uFill>
                 <a:latin typeface="Franklin Gothic Book"/>
                 <a:ea typeface="DejaVu Sans"/>
               </a:rPr>
               <a:t>KPRC Training – kprc2000 </a:t>
             </a:r>
-            <a:endParaRPr b="0" lang="en-GB" sz="1800" spc="-1" strike="noStrike">
-              <a:solidFill>
-                <a:srgbClr val="000000"/>
-              </a:solidFill>
-              <a:uFill>
-                <a:solidFill>
-                  <a:srgbClr val="ffffff"/>
-                </a:solidFill>
-              </a:uFill>
-              <a:latin typeface="Arial"/>
-            </a:endParaRPr>
+            <a:endParaRPr/>
           </a:p>
         </p:txBody>
       </p:sp>
@@ -6462,7 +4910,7 @@
 </file>
 
 <file path=ppt/slides/slide7.xml><?xml version="1.0" encoding="utf-8"?>
-<p:sld xmlns:a="http://schemas.openxmlformats.org/drawingml/2006/main" xmlns:p="http://schemas.openxmlformats.org/presentationml/2006/main" xmlns:r="http://schemas.openxmlformats.org/officeDocument/2006/relationships" xmlns:p14="http://schemas.microsoft.com/office/powerpoint/2010/main" xmlns:p15="http://schemas.microsoft.com/office/powerpoint/2012/main" xmlns:mc="http://schemas.openxmlformats.org/markup-compatibility/2006">
+<p:sld xmlns:a="http://schemas.openxmlformats.org/drawingml/2006/main" xmlns:p="http://schemas.openxmlformats.org/presentationml/2006/main" xmlns:r="http://schemas.openxmlformats.org/officeDocument/2006/relationships">
   <p:cSld>
     <p:spTree>
       <p:nvGrpSpPr>
@@ -6487,7 +4935,7 @@
         <p:spPr>
           <a:xfrm>
             <a:off x="1371600" y="685800"/>
-            <a:ext cx="9598680" cy="1483560"/>
+            <a:ext cx="9597960" cy="1482840"/>
           </a:xfrm>
           <a:prstGeom prst="rect">
             <a:avLst/>
@@ -6512,31 +4960,16 @@
               </a:lnSpc>
             </a:pPr>
             <a:r>
-              <a:rPr b="0" lang="en-GB" sz="4400" spc="-1" strike="noStrike">
+              <a:rPr lang="en-GB" sz="4400" strike="noStrike">
                 <a:solidFill>
                   <a:srgbClr val="191b0e"/>
                 </a:solidFill>
-                <a:uFill>
-                  <a:solidFill>
-                    <a:srgbClr val="ffffff"/>
-                  </a:solidFill>
-                </a:uFill>
                 <a:latin typeface="Franklin Gothic Book"/>
                 <a:ea typeface="DejaVu Sans"/>
               </a:rPr>
               <a:t>Warm Up</a:t>
             </a:r>
-            <a:endParaRPr b="0" lang="en-GB" sz="1800" spc="-1" strike="noStrike">
-              <a:solidFill>
-                <a:srgbClr val="000000"/>
-              </a:solidFill>
-              <a:uFill>
-                <a:solidFill>
-                  <a:srgbClr val="ffffff"/>
-                </a:solidFill>
-              </a:uFill>
-              <a:latin typeface="Arial"/>
-            </a:endParaRPr>
+            <a:endParaRPr/>
           </a:p>
         </p:txBody>
       </p:sp>
@@ -6549,7 +4982,7 @@
         <p:spPr>
           <a:xfrm>
             <a:off x="3738240" y="923400"/>
-            <a:ext cx="822240" cy="240480"/>
+            <a:ext cx="821520" cy="239760"/>
           </a:xfrm>
           <a:prstGeom prst="rect">
             <a:avLst/>
@@ -6574,31 +5007,16 @@
               </a:lnSpc>
             </a:pPr>
             <a:r>
-              <a:rPr b="0" lang="en-GB" sz="1000" spc="-1" strike="noStrike">
+              <a:rPr lang="en-GB" sz="1000" strike="noStrike">
                 <a:solidFill>
                   <a:srgbClr val="000000"/>
                 </a:solidFill>
-                <a:uFill>
-                  <a:solidFill>
-                    <a:srgbClr val="ffffff"/>
-                  </a:solidFill>
-                </a:uFill>
                 <a:latin typeface="Franklin Gothic Book"/>
                 <a:ea typeface="DejaVu Sans"/>
               </a:rPr>
               <a:t>5-10 mins</a:t>
             </a:r>
-            <a:endParaRPr b="0" lang="en-GB" sz="1800" spc="-1" strike="noStrike">
-              <a:solidFill>
-                <a:srgbClr val="000000"/>
-              </a:solidFill>
-              <a:uFill>
-                <a:solidFill>
-                  <a:srgbClr val="ffffff"/>
-                </a:solidFill>
-              </a:uFill>
-              <a:latin typeface="Arial"/>
-            </a:endParaRPr>
+            <a:endParaRPr/>
           </a:p>
         </p:txBody>
       </p:sp>
@@ -6635,7 +5053,7 @@
 </file>
 
 <file path=ppt/slides/slide8.xml><?xml version="1.0" encoding="utf-8"?>
-<p:sld xmlns:a="http://schemas.openxmlformats.org/drawingml/2006/main" xmlns:p="http://schemas.openxmlformats.org/presentationml/2006/main" xmlns:r="http://schemas.openxmlformats.org/officeDocument/2006/relationships" xmlns:p14="http://schemas.microsoft.com/office/powerpoint/2010/main" xmlns:p15="http://schemas.microsoft.com/office/powerpoint/2012/main" xmlns:mc="http://schemas.openxmlformats.org/markup-compatibility/2006">
+<p:sld xmlns:a="http://schemas.openxmlformats.org/drawingml/2006/main" xmlns:p="http://schemas.openxmlformats.org/presentationml/2006/main" xmlns:r="http://schemas.openxmlformats.org/officeDocument/2006/relationships">
   <p:cSld>
     <p:spTree>
       <p:nvGrpSpPr>
@@ -6660,7 +5078,7 @@
         <p:spPr>
           <a:xfrm>
             <a:off x="1371600" y="685800"/>
-            <a:ext cx="9598680" cy="1483560"/>
+            <a:ext cx="9597960" cy="1482840"/>
           </a:xfrm>
           <a:prstGeom prst="rect">
             <a:avLst/>
@@ -6685,31 +5103,16 @@
               </a:lnSpc>
             </a:pPr>
             <a:r>
-              <a:rPr b="0" lang="en-GB" sz="4400" spc="-1" strike="noStrike">
+              <a:rPr lang="en-GB" sz="4400" strike="noStrike">
                 <a:solidFill>
                   <a:srgbClr val="191b0e"/>
                 </a:solidFill>
-                <a:uFill>
-                  <a:solidFill>
-                    <a:srgbClr val="ffffff"/>
-                  </a:solidFill>
-                </a:uFill>
                 <a:latin typeface="Franklin Gothic Book"/>
                 <a:ea typeface="DejaVu Sans"/>
               </a:rPr>
               <a:t>Get Into Teams</a:t>
             </a:r>
-            <a:endParaRPr b="0" lang="en-GB" sz="1800" spc="-1" strike="noStrike">
-              <a:solidFill>
-                <a:srgbClr val="000000"/>
-              </a:solidFill>
-              <a:uFill>
-                <a:solidFill>
-                  <a:srgbClr val="ffffff"/>
-                </a:solidFill>
-              </a:uFill>
-              <a:latin typeface="Arial"/>
-            </a:endParaRPr>
+            <a:endParaRPr/>
           </a:p>
         </p:txBody>
       </p:sp>
@@ -6722,7 +5125,7 @@
         <p:spPr>
           <a:xfrm>
             <a:off x="5190480" y="923400"/>
-            <a:ext cx="822240" cy="240480"/>
+            <a:ext cx="821520" cy="239760"/>
           </a:xfrm>
           <a:prstGeom prst="rect">
             <a:avLst/>
@@ -6747,31 +5150,16 @@
               </a:lnSpc>
             </a:pPr>
             <a:r>
-              <a:rPr b="0" lang="en-GB" sz="1000" spc="-1" strike="noStrike">
+              <a:rPr lang="en-GB" sz="1000" strike="noStrike">
                 <a:solidFill>
                   <a:srgbClr val="000000"/>
                 </a:solidFill>
-                <a:uFill>
-                  <a:solidFill>
-                    <a:srgbClr val="ffffff"/>
-                  </a:solidFill>
-                </a:uFill>
                 <a:latin typeface="Franklin Gothic Book"/>
                 <a:ea typeface="DejaVu Sans"/>
               </a:rPr>
               <a:t>5 mins</a:t>
             </a:r>
-            <a:endParaRPr b="0" lang="en-GB" sz="1800" spc="-1" strike="noStrike">
-              <a:solidFill>
-                <a:srgbClr val="000000"/>
-              </a:solidFill>
-              <a:uFill>
-                <a:solidFill>
-                  <a:srgbClr val="ffffff"/>
-                </a:solidFill>
-              </a:uFill>
-              <a:latin typeface="Arial"/>
-            </a:endParaRPr>
+            <a:endParaRPr/>
           </a:p>
         </p:txBody>
       </p:sp>
@@ -6808,7 +5196,7 @@
 </file>
 
 <file path=ppt/slides/slide9.xml><?xml version="1.0" encoding="utf-8"?>
-<p:sld xmlns:a="http://schemas.openxmlformats.org/drawingml/2006/main" xmlns:p="http://schemas.openxmlformats.org/presentationml/2006/main" xmlns:r="http://schemas.openxmlformats.org/officeDocument/2006/relationships" xmlns:p14="http://schemas.microsoft.com/office/powerpoint/2010/main" xmlns:p15="http://schemas.microsoft.com/office/powerpoint/2012/main" xmlns:mc="http://schemas.openxmlformats.org/markup-compatibility/2006">
+<p:sld xmlns:a="http://schemas.openxmlformats.org/drawingml/2006/main" xmlns:p="http://schemas.openxmlformats.org/presentationml/2006/main" xmlns:r="http://schemas.openxmlformats.org/officeDocument/2006/relationships">
   <p:cSld>
     <p:spTree>
       <p:nvGrpSpPr>
@@ -6833,7 +5221,7 @@
         <p:spPr>
           <a:xfrm>
             <a:off x="1541520" y="931320"/>
-            <a:ext cx="9690120" cy="940320"/>
+            <a:ext cx="9689400" cy="939600"/>
           </a:xfrm>
           <a:prstGeom prst="rect">
             <a:avLst/>
@@ -6858,31 +5246,16 @@
               </a:lnSpc>
             </a:pPr>
             <a:r>
-              <a:rPr b="0" lang="en-GB" sz="4400" spc="-1" strike="noStrike">
+              <a:rPr lang="en-GB" sz="4400" strike="noStrike">
                 <a:solidFill>
                   <a:srgbClr val="191b0e"/>
                 </a:solidFill>
-                <a:uFill>
-                  <a:solidFill>
-                    <a:srgbClr val="ffffff"/>
-                  </a:solidFill>
-                </a:uFill>
                 <a:latin typeface="Franklin Gothic Book"/>
                 <a:ea typeface="DejaVu Sans"/>
               </a:rPr>
               <a:t>This Week Session Challenges (Scratch)</a:t>
             </a:r>
-            <a:endParaRPr b="0" lang="en-GB" sz="1800" spc="-1" strike="noStrike">
-              <a:solidFill>
-                <a:srgbClr val="000000"/>
-              </a:solidFill>
-              <a:uFill>
-                <a:solidFill>
-                  <a:srgbClr val="ffffff"/>
-                </a:solidFill>
-              </a:uFill>
-              <a:latin typeface="Arial"/>
-            </a:endParaRPr>
+            <a:endParaRPr/>
           </a:p>
         </p:txBody>
       </p:sp>
@@ -6895,7 +5268,7 @@
         <p:spPr>
           <a:xfrm>
             <a:off x="1296000" y="1983240"/>
-            <a:ext cx="10363680" cy="4280400"/>
+            <a:ext cx="10362960" cy="4279680"/>
           </a:xfrm>
           <a:prstGeom prst="rect">
             <a:avLst/>
@@ -6919,32 +5292,7 @@
                 <a:spcPct val="100000"/>
               </a:lnSpc>
             </a:pPr>
-            <a:r>
-              <a:rPr b="0" lang="en-GB" sz="3600" spc="-1" strike="noStrike">
-                <a:solidFill>
-                  <a:srgbClr val="191b0e"/>
-                </a:solidFill>
-                <a:uFill>
-                  <a:solidFill>
-                    <a:srgbClr val="ffffff"/>
-                  </a:solidFill>
-                </a:uFill>
-                <a:latin typeface="Franklin Gothic Book"/>
-                <a:ea typeface="DejaVu Sans"/>
-              </a:rPr>
-              <a:t>Background: </a:t>
-            </a:r>
-            <a:endParaRPr b="0" lang="en-GB" sz="1800" spc="-1" strike="noStrike">
-              <a:solidFill>
-                <a:srgbClr val="000000"/>
-              </a:solidFill>
-              <a:uFill>
-                <a:solidFill>
-                  <a:srgbClr val="ffffff"/>
-                </a:solidFill>
-              </a:uFill>
-              <a:latin typeface="Arial"/>
-            </a:endParaRPr>
+            <a:endParaRPr/>
           </a:p>
           <a:p>
             <a:pPr>
@@ -6952,17 +5300,17 @@
                 <a:spcPct val="100000"/>
               </a:lnSpc>
             </a:pPr>
-            <a:endParaRPr b="0" lang="en-GB" sz="1800" spc="-1" strike="noStrike">
-              <a:solidFill>
-                <a:srgbClr val="000000"/>
-              </a:solidFill>
-              <a:uFill>
+            <a:r>
+              <a:rPr lang="en-GB" sz="3600" strike="noStrike">
                 <a:solidFill>
-                  <a:srgbClr val="ffffff"/>
+                  <a:srgbClr val="191b0e"/>
                 </a:solidFill>
-              </a:uFill>
-              <a:latin typeface="Arial"/>
-            </a:endParaRPr>
+                <a:latin typeface="Franklin Gothic Book"/>
+                <a:ea typeface="DejaVu Sans"/>
+              </a:rPr>
+              <a:t>The script provided is using conditions which allows the program to decide which action to take. Copy the code and run it. </a:t>
+            </a:r>
+            <a:endParaRPr/>
           </a:p>
           <a:p>
             <a:pPr>
@@ -6970,32 +5318,7 @@
                 <a:spcPct val="100000"/>
               </a:lnSpc>
             </a:pPr>
-            <a:r>
-              <a:rPr b="0" lang="en-GB" sz="3600" spc="-1" strike="noStrike">
-                <a:solidFill>
-                  <a:srgbClr val="191b0e"/>
-                </a:solidFill>
-                <a:uFill>
-                  <a:solidFill>
-                    <a:srgbClr val="ffffff"/>
-                  </a:solidFill>
-                </a:uFill>
-                <a:latin typeface="Franklin Gothic Book"/>
-                <a:ea typeface="DejaVu Sans"/>
-              </a:rPr>
-              <a:t>The script provided is using conditions which allows the program to decide which action to take. Copy the code and run it. </a:t>
-            </a:r>
-            <a:endParaRPr b="0" lang="en-GB" sz="1800" spc="-1" strike="noStrike">
-              <a:solidFill>
-                <a:srgbClr val="000000"/>
-              </a:solidFill>
-              <a:uFill>
-                <a:solidFill>
-                  <a:srgbClr val="ffffff"/>
-                </a:solidFill>
-              </a:uFill>
-              <a:latin typeface="Arial"/>
-            </a:endParaRPr>
+            <a:endParaRPr/>
           </a:p>
           <a:p>
             <a:pPr>
@@ -7004,31 +5327,16 @@
               </a:lnSpc>
             </a:pPr>
             <a:r>
-              <a:rPr b="0" lang="en-GB" sz="3600" spc="-1" strike="noStrike">
+              <a:rPr lang="en-GB" sz="3600" strike="noStrike">
                 <a:solidFill>
                   <a:srgbClr val="191b0e"/>
                 </a:solidFill>
-                <a:uFill>
-                  <a:solidFill>
-                    <a:srgbClr val="ffffff"/>
-                  </a:solidFill>
-                </a:uFill>
                 <a:latin typeface="Franklin Gothic Book"/>
                 <a:ea typeface="DejaVu Sans"/>
               </a:rPr>
               <a:t>Is it working?</a:t>
             </a:r>
-            <a:endParaRPr b="0" lang="en-GB" sz="1800" spc="-1" strike="noStrike">
-              <a:solidFill>
-                <a:srgbClr val="000000"/>
-              </a:solidFill>
-              <a:uFill>
-                <a:solidFill>
-                  <a:srgbClr val="ffffff"/>
-                </a:solidFill>
-              </a:uFill>
-              <a:latin typeface="Arial"/>
-            </a:endParaRPr>
+            <a:endParaRPr/>
           </a:p>
           <a:p>
             <a:pPr>
@@ -7037,31 +5345,16 @@
               </a:lnSpc>
             </a:pPr>
             <a:r>
-              <a:rPr b="0" lang="en-GB" sz="3600" spc="-1" strike="noStrike">
+              <a:rPr lang="en-GB" sz="3600" strike="noStrike">
                 <a:solidFill>
                   <a:srgbClr val="191b0e"/>
                 </a:solidFill>
-                <a:uFill>
-                  <a:solidFill>
-                    <a:srgbClr val="ffffff"/>
-                  </a:solidFill>
-                </a:uFill>
                 <a:latin typeface="Franklin Gothic Book"/>
                 <a:ea typeface="DejaVu Sans"/>
               </a:rPr>
               <a:t>Can you fix it?</a:t>
             </a:r>
-            <a:endParaRPr b="0" lang="en-GB" sz="1800" spc="-1" strike="noStrike">
-              <a:solidFill>
-                <a:srgbClr val="000000"/>
-              </a:solidFill>
-              <a:uFill>
-                <a:solidFill>
-                  <a:srgbClr val="ffffff"/>
-                </a:solidFill>
-              </a:uFill>
-              <a:latin typeface="Arial"/>
-            </a:endParaRPr>
+            <a:endParaRPr/>
           </a:p>
           <a:p>
             <a:pPr>
@@ -7070,31 +5363,16 @@
               </a:lnSpc>
             </a:pPr>
             <a:r>
-              <a:rPr b="0" lang="en-GB" sz="3600" spc="-1" strike="noStrike">
+              <a:rPr lang="en-GB" sz="3600" strike="noStrike">
                 <a:solidFill>
                   <a:srgbClr val="191b0e"/>
                 </a:solidFill>
-                <a:uFill>
-                  <a:solidFill>
-                    <a:srgbClr val="ffffff"/>
-                  </a:solidFill>
-                </a:uFill>
                 <a:latin typeface="Franklin Gothic Book"/>
                 <a:ea typeface="DejaVu Sans"/>
               </a:rPr>
               <a:t>Can you make it better? </a:t>
             </a:r>
-            <a:endParaRPr b="0" lang="en-GB" sz="1800" spc="-1" strike="noStrike">
-              <a:solidFill>
-                <a:srgbClr val="000000"/>
-              </a:solidFill>
-              <a:uFill>
-                <a:solidFill>
-                  <a:srgbClr val="ffffff"/>
-                </a:solidFill>
-              </a:uFill>
-              <a:latin typeface="Arial"/>
-            </a:endParaRPr>
+            <a:endParaRPr/>
           </a:p>
         </p:txBody>
       </p:sp>
